--- a/units/4/lessons/11/resources/petascale-lesson-4.11-slides.pptx
+++ b/units/4/lessons/11/resources/petascale-lesson-4.11-slides.pptx
@@ -9,7 +9,7 @@
   </p:notesMasterIdLst>
   <p:sldIdLst>
     <p:sldId id="285" r:id="rId2"/>
-    <p:sldId id="286" r:id="rId3"/>
+    <p:sldId id="287" r:id="rId3"/>
     <p:sldId id="256" r:id="rId4"/>
     <p:sldId id="257" r:id="rId5"/>
     <p:sldId id="261" r:id="rId6"/>
@@ -444,7 +444,7 @@
           <a:p>
             <a:fld id="{7AA32CDE-56CC-954F-B342-53E7D3EB761E}" type="datetimeFigureOut">
               <a:rPr lang="en-US" smtClean="0"/>
-              <a:t>9/12/20</a:t>
+              <a:t>10/11/20</a:t>
             </a:fld>
             <a:endParaRPr lang="en-US"/>
           </a:p>
@@ -814,7 +814,7 @@
           <p:cNvPr id="2" name="Title 1">
             <a:extLst>
               <a:ext uri="{FF2B5EF4-FFF2-40B4-BE49-F238E27FC236}">
-                <a16:creationId xmlns:a16="http://schemas.microsoft.com/office/drawing/2014/main" xmlns="" id="{56EFF52F-5ABF-D141-AB4E-21B68FF01729}"/>
+                <a16:creationId xmlns="" xmlns:a16="http://schemas.microsoft.com/office/drawing/2014/main" id="{56EFF52F-5ABF-D141-AB4E-21B68FF01729}"/>
               </a:ext>
             </a:extLst>
           </p:cNvPr>
@@ -851,7 +851,7 @@
           <p:cNvPr id="3" name="Subtitle 2">
             <a:extLst>
               <a:ext uri="{FF2B5EF4-FFF2-40B4-BE49-F238E27FC236}">
-                <a16:creationId xmlns:a16="http://schemas.microsoft.com/office/drawing/2014/main" xmlns="" id="{5DDCC730-1348-0D4A-BEF3-A6A9C3D7A543}"/>
+                <a16:creationId xmlns="" xmlns:a16="http://schemas.microsoft.com/office/drawing/2014/main" id="{5DDCC730-1348-0D4A-BEF3-A6A9C3D7A543}"/>
               </a:ext>
             </a:extLst>
           </p:cNvPr>
@@ -921,7 +921,7 @@
           <p:cNvPr id="4" name="Date Placeholder 3">
             <a:extLst>
               <a:ext uri="{FF2B5EF4-FFF2-40B4-BE49-F238E27FC236}">
-                <a16:creationId xmlns:a16="http://schemas.microsoft.com/office/drawing/2014/main" xmlns="" id="{AF217720-FE67-774F-96F0-D2B3B32CC598}"/>
+                <a16:creationId xmlns="" xmlns:a16="http://schemas.microsoft.com/office/drawing/2014/main" id="{AF217720-FE67-774F-96F0-D2B3B32CC598}"/>
               </a:ext>
             </a:extLst>
           </p:cNvPr>
@@ -939,7 +939,7 @@
           <a:p>
             <a:fld id="{A821AF8D-EA27-A940-BB27-147E164DA6E4}" type="datetimeFigureOut">
               <a:rPr lang="en-US" smtClean="0"/>
-              <a:t>9/12/20</a:t>
+              <a:t>10/11/20</a:t>
             </a:fld>
             <a:endParaRPr lang="en-US"/>
           </a:p>
@@ -950,7 +950,7 @@
           <p:cNvPr id="5" name="Footer Placeholder 4">
             <a:extLst>
               <a:ext uri="{FF2B5EF4-FFF2-40B4-BE49-F238E27FC236}">
-                <a16:creationId xmlns:a16="http://schemas.microsoft.com/office/drawing/2014/main" xmlns="" id="{9E2BDB78-5529-344D-9FDC-97CA95CD8F23}"/>
+                <a16:creationId xmlns="" xmlns:a16="http://schemas.microsoft.com/office/drawing/2014/main" id="{9E2BDB78-5529-344D-9FDC-97CA95CD8F23}"/>
               </a:ext>
             </a:extLst>
           </p:cNvPr>
@@ -975,7 +975,7 @@
           <p:cNvPr id="6" name="Slide Number Placeholder 5">
             <a:extLst>
               <a:ext uri="{FF2B5EF4-FFF2-40B4-BE49-F238E27FC236}">
-                <a16:creationId xmlns:a16="http://schemas.microsoft.com/office/drawing/2014/main" xmlns="" id="{1F08EFF8-E2FB-BE42-8964-5FB66A716B35}"/>
+                <a16:creationId xmlns="" xmlns:a16="http://schemas.microsoft.com/office/drawing/2014/main" id="{1F08EFF8-E2FB-BE42-8964-5FB66A716B35}"/>
               </a:ext>
             </a:extLst>
           </p:cNvPr>
@@ -1034,7 +1034,7 @@
           <p:cNvPr id="2" name="Title 1">
             <a:extLst>
               <a:ext uri="{FF2B5EF4-FFF2-40B4-BE49-F238E27FC236}">
-                <a16:creationId xmlns:a16="http://schemas.microsoft.com/office/drawing/2014/main" xmlns="" id="{F0C1A55A-3A79-C94F-B0A0-E6DD603B2F63}"/>
+                <a16:creationId xmlns="" xmlns:a16="http://schemas.microsoft.com/office/drawing/2014/main" id="{F0C1A55A-3A79-C94F-B0A0-E6DD603B2F63}"/>
               </a:ext>
             </a:extLst>
           </p:cNvPr>
@@ -1062,7 +1062,7 @@
           <p:cNvPr id="3" name="Vertical Text Placeholder 2">
             <a:extLst>
               <a:ext uri="{FF2B5EF4-FFF2-40B4-BE49-F238E27FC236}">
-                <a16:creationId xmlns:a16="http://schemas.microsoft.com/office/drawing/2014/main" xmlns="" id="{8D60E525-E11C-6D43-A1EB-ACB93CDC6374}"/>
+                <a16:creationId xmlns="" xmlns:a16="http://schemas.microsoft.com/office/drawing/2014/main" id="{8D60E525-E11C-6D43-A1EB-ACB93CDC6374}"/>
               </a:ext>
             </a:extLst>
           </p:cNvPr>
@@ -1119,7 +1119,7 @@
           <p:cNvPr id="4" name="Date Placeholder 3">
             <a:extLst>
               <a:ext uri="{FF2B5EF4-FFF2-40B4-BE49-F238E27FC236}">
-                <a16:creationId xmlns:a16="http://schemas.microsoft.com/office/drawing/2014/main" xmlns="" id="{B1129E8A-A73C-5645-8B06-7BC3BED69936}"/>
+                <a16:creationId xmlns="" xmlns:a16="http://schemas.microsoft.com/office/drawing/2014/main" id="{B1129E8A-A73C-5645-8B06-7BC3BED69936}"/>
               </a:ext>
             </a:extLst>
           </p:cNvPr>
@@ -1137,7 +1137,7 @@
           <a:p>
             <a:fld id="{A821AF8D-EA27-A940-BB27-147E164DA6E4}" type="datetimeFigureOut">
               <a:rPr lang="en-US" smtClean="0"/>
-              <a:t>9/12/20</a:t>
+              <a:t>10/11/20</a:t>
             </a:fld>
             <a:endParaRPr lang="en-US"/>
           </a:p>
@@ -1148,7 +1148,7 @@
           <p:cNvPr id="5" name="Footer Placeholder 4">
             <a:extLst>
               <a:ext uri="{FF2B5EF4-FFF2-40B4-BE49-F238E27FC236}">
-                <a16:creationId xmlns:a16="http://schemas.microsoft.com/office/drawing/2014/main" xmlns="" id="{C95EDA5C-028A-074D-86B7-38CF15E125A9}"/>
+                <a16:creationId xmlns="" xmlns:a16="http://schemas.microsoft.com/office/drawing/2014/main" id="{C95EDA5C-028A-074D-86B7-38CF15E125A9}"/>
               </a:ext>
             </a:extLst>
           </p:cNvPr>
@@ -1173,7 +1173,7 @@
           <p:cNvPr id="6" name="Slide Number Placeholder 5">
             <a:extLst>
               <a:ext uri="{FF2B5EF4-FFF2-40B4-BE49-F238E27FC236}">
-                <a16:creationId xmlns:a16="http://schemas.microsoft.com/office/drawing/2014/main" xmlns="" id="{704BFC68-8EED-7643-B80D-D68B96C47856}"/>
+                <a16:creationId xmlns="" xmlns:a16="http://schemas.microsoft.com/office/drawing/2014/main" id="{704BFC68-8EED-7643-B80D-D68B96C47856}"/>
               </a:ext>
             </a:extLst>
           </p:cNvPr>
@@ -1232,7 +1232,7 @@
           <p:cNvPr id="2" name="Vertical Title 1">
             <a:extLst>
               <a:ext uri="{FF2B5EF4-FFF2-40B4-BE49-F238E27FC236}">
-                <a16:creationId xmlns:a16="http://schemas.microsoft.com/office/drawing/2014/main" xmlns="" id="{E8F3B61B-DE03-4E4D-8273-68D386B69D5A}"/>
+                <a16:creationId xmlns="" xmlns:a16="http://schemas.microsoft.com/office/drawing/2014/main" id="{E8F3B61B-DE03-4E4D-8273-68D386B69D5A}"/>
               </a:ext>
             </a:extLst>
           </p:cNvPr>
@@ -1265,7 +1265,7 @@
           <p:cNvPr id="3" name="Vertical Text Placeholder 2">
             <a:extLst>
               <a:ext uri="{FF2B5EF4-FFF2-40B4-BE49-F238E27FC236}">
-                <a16:creationId xmlns:a16="http://schemas.microsoft.com/office/drawing/2014/main" xmlns="" id="{837D6FA4-BAE5-F04C-B4FB-C53A3D00B118}"/>
+                <a16:creationId xmlns="" xmlns:a16="http://schemas.microsoft.com/office/drawing/2014/main" id="{837D6FA4-BAE5-F04C-B4FB-C53A3D00B118}"/>
               </a:ext>
             </a:extLst>
           </p:cNvPr>
@@ -1327,7 +1327,7 @@
           <p:cNvPr id="4" name="Date Placeholder 3">
             <a:extLst>
               <a:ext uri="{FF2B5EF4-FFF2-40B4-BE49-F238E27FC236}">
-                <a16:creationId xmlns:a16="http://schemas.microsoft.com/office/drawing/2014/main" xmlns="" id="{0544E3FD-DA26-1E4D-8D85-CC7E7C6145B2}"/>
+                <a16:creationId xmlns="" xmlns:a16="http://schemas.microsoft.com/office/drawing/2014/main" id="{0544E3FD-DA26-1E4D-8D85-CC7E7C6145B2}"/>
               </a:ext>
             </a:extLst>
           </p:cNvPr>
@@ -1345,7 +1345,7 @@
           <a:p>
             <a:fld id="{A821AF8D-EA27-A940-BB27-147E164DA6E4}" type="datetimeFigureOut">
               <a:rPr lang="en-US" smtClean="0"/>
-              <a:t>9/12/20</a:t>
+              <a:t>10/11/20</a:t>
             </a:fld>
             <a:endParaRPr lang="en-US"/>
           </a:p>
@@ -1356,7 +1356,7 @@
           <p:cNvPr id="5" name="Footer Placeholder 4">
             <a:extLst>
               <a:ext uri="{FF2B5EF4-FFF2-40B4-BE49-F238E27FC236}">
-                <a16:creationId xmlns:a16="http://schemas.microsoft.com/office/drawing/2014/main" xmlns="" id="{AC3130FA-8E1A-E141-A22C-AE3974F216C7}"/>
+                <a16:creationId xmlns="" xmlns:a16="http://schemas.microsoft.com/office/drawing/2014/main" id="{AC3130FA-8E1A-E141-A22C-AE3974F216C7}"/>
               </a:ext>
             </a:extLst>
           </p:cNvPr>
@@ -1381,7 +1381,7 @@
           <p:cNvPr id="6" name="Slide Number Placeholder 5">
             <a:extLst>
               <a:ext uri="{FF2B5EF4-FFF2-40B4-BE49-F238E27FC236}">
-                <a16:creationId xmlns:a16="http://schemas.microsoft.com/office/drawing/2014/main" xmlns="" id="{55A1AE83-F2C7-A54A-98E1-D5D2F920D46E}"/>
+                <a16:creationId xmlns="" xmlns:a16="http://schemas.microsoft.com/office/drawing/2014/main" id="{55A1AE83-F2C7-A54A-98E1-D5D2F920D46E}"/>
               </a:ext>
             </a:extLst>
           </p:cNvPr>
@@ -1440,7 +1440,7 @@
           <p:cNvPr id="2" name="Title 1">
             <a:extLst>
               <a:ext uri="{FF2B5EF4-FFF2-40B4-BE49-F238E27FC236}">
-                <a16:creationId xmlns:a16="http://schemas.microsoft.com/office/drawing/2014/main" xmlns="" id="{63A3EA9E-F75E-5B4B-844D-7C5645989A93}"/>
+                <a16:creationId xmlns="" xmlns:a16="http://schemas.microsoft.com/office/drawing/2014/main" id="{63A3EA9E-F75E-5B4B-844D-7C5645989A93}"/>
               </a:ext>
             </a:extLst>
           </p:cNvPr>
@@ -1468,7 +1468,7 @@
           <p:cNvPr id="3" name="Content Placeholder 2">
             <a:extLst>
               <a:ext uri="{FF2B5EF4-FFF2-40B4-BE49-F238E27FC236}">
-                <a16:creationId xmlns:a16="http://schemas.microsoft.com/office/drawing/2014/main" xmlns="" id="{C633C046-BEA5-404D-91CD-19F07C162D52}"/>
+                <a16:creationId xmlns="" xmlns:a16="http://schemas.microsoft.com/office/drawing/2014/main" id="{C633C046-BEA5-404D-91CD-19F07C162D52}"/>
               </a:ext>
             </a:extLst>
           </p:cNvPr>
@@ -1525,7 +1525,7 @@
           <p:cNvPr id="4" name="Date Placeholder 3">
             <a:extLst>
               <a:ext uri="{FF2B5EF4-FFF2-40B4-BE49-F238E27FC236}">
-                <a16:creationId xmlns:a16="http://schemas.microsoft.com/office/drawing/2014/main" xmlns="" id="{79307961-8F16-C843-A71D-B2583AE8751A}"/>
+                <a16:creationId xmlns="" xmlns:a16="http://schemas.microsoft.com/office/drawing/2014/main" id="{79307961-8F16-C843-A71D-B2583AE8751A}"/>
               </a:ext>
             </a:extLst>
           </p:cNvPr>
@@ -1543,7 +1543,7 @@
           <a:p>
             <a:fld id="{A821AF8D-EA27-A940-BB27-147E164DA6E4}" type="datetimeFigureOut">
               <a:rPr lang="en-US" smtClean="0"/>
-              <a:t>9/12/20</a:t>
+              <a:t>10/11/20</a:t>
             </a:fld>
             <a:endParaRPr lang="en-US"/>
           </a:p>
@@ -1554,7 +1554,7 @@
           <p:cNvPr id="5" name="Footer Placeholder 4">
             <a:extLst>
               <a:ext uri="{FF2B5EF4-FFF2-40B4-BE49-F238E27FC236}">
-                <a16:creationId xmlns:a16="http://schemas.microsoft.com/office/drawing/2014/main" xmlns="" id="{CC18C2B7-2466-3241-9FC8-79778F0B4EF4}"/>
+                <a16:creationId xmlns="" xmlns:a16="http://schemas.microsoft.com/office/drawing/2014/main" id="{CC18C2B7-2466-3241-9FC8-79778F0B4EF4}"/>
               </a:ext>
             </a:extLst>
           </p:cNvPr>
@@ -1579,7 +1579,7 @@
           <p:cNvPr id="6" name="Slide Number Placeholder 5">
             <a:extLst>
               <a:ext uri="{FF2B5EF4-FFF2-40B4-BE49-F238E27FC236}">
-                <a16:creationId xmlns:a16="http://schemas.microsoft.com/office/drawing/2014/main" xmlns="" id="{3B26E58B-7F22-1C4D-9173-4541D5BFC024}"/>
+                <a16:creationId xmlns="" xmlns:a16="http://schemas.microsoft.com/office/drawing/2014/main" id="{3B26E58B-7F22-1C4D-9173-4541D5BFC024}"/>
               </a:ext>
             </a:extLst>
           </p:cNvPr>
@@ -1638,7 +1638,7 @@
           <p:cNvPr id="2" name="Title 1">
             <a:extLst>
               <a:ext uri="{FF2B5EF4-FFF2-40B4-BE49-F238E27FC236}">
-                <a16:creationId xmlns:a16="http://schemas.microsoft.com/office/drawing/2014/main" xmlns="" id="{9B9005F0-F0C5-FB41-8113-CCD290AE4156}"/>
+                <a16:creationId xmlns="" xmlns:a16="http://schemas.microsoft.com/office/drawing/2014/main" id="{9B9005F0-F0C5-FB41-8113-CCD290AE4156}"/>
               </a:ext>
             </a:extLst>
           </p:cNvPr>
@@ -1675,7 +1675,7 @@
           <p:cNvPr id="3" name="Text Placeholder 2">
             <a:extLst>
               <a:ext uri="{FF2B5EF4-FFF2-40B4-BE49-F238E27FC236}">
-                <a16:creationId xmlns:a16="http://schemas.microsoft.com/office/drawing/2014/main" xmlns="" id="{BCEE14ED-2E93-B947-9A2C-246A8A468E1B}"/>
+                <a16:creationId xmlns="" xmlns:a16="http://schemas.microsoft.com/office/drawing/2014/main" id="{BCEE14ED-2E93-B947-9A2C-246A8A468E1B}"/>
               </a:ext>
             </a:extLst>
           </p:cNvPr>
@@ -1800,7 +1800,7 @@
           <p:cNvPr id="4" name="Date Placeholder 3">
             <a:extLst>
               <a:ext uri="{FF2B5EF4-FFF2-40B4-BE49-F238E27FC236}">
-                <a16:creationId xmlns:a16="http://schemas.microsoft.com/office/drawing/2014/main" xmlns="" id="{C6B7A258-BFE0-8F43-B085-1086FD89BDFE}"/>
+                <a16:creationId xmlns="" xmlns:a16="http://schemas.microsoft.com/office/drawing/2014/main" id="{C6B7A258-BFE0-8F43-B085-1086FD89BDFE}"/>
               </a:ext>
             </a:extLst>
           </p:cNvPr>
@@ -1818,7 +1818,7 @@
           <a:p>
             <a:fld id="{A821AF8D-EA27-A940-BB27-147E164DA6E4}" type="datetimeFigureOut">
               <a:rPr lang="en-US" smtClean="0"/>
-              <a:t>9/12/20</a:t>
+              <a:t>10/11/20</a:t>
             </a:fld>
             <a:endParaRPr lang="en-US"/>
           </a:p>
@@ -1829,7 +1829,7 @@
           <p:cNvPr id="5" name="Footer Placeholder 4">
             <a:extLst>
               <a:ext uri="{FF2B5EF4-FFF2-40B4-BE49-F238E27FC236}">
-                <a16:creationId xmlns:a16="http://schemas.microsoft.com/office/drawing/2014/main" xmlns="" id="{9EB23650-47BC-384E-96CC-31D9056BE848}"/>
+                <a16:creationId xmlns="" xmlns:a16="http://schemas.microsoft.com/office/drawing/2014/main" id="{9EB23650-47BC-384E-96CC-31D9056BE848}"/>
               </a:ext>
             </a:extLst>
           </p:cNvPr>
@@ -1854,7 +1854,7 @@
           <p:cNvPr id="6" name="Slide Number Placeholder 5">
             <a:extLst>
               <a:ext uri="{FF2B5EF4-FFF2-40B4-BE49-F238E27FC236}">
-                <a16:creationId xmlns:a16="http://schemas.microsoft.com/office/drawing/2014/main" xmlns="" id="{3FB96811-304F-2346-9B21-1D3F2E2DC866}"/>
+                <a16:creationId xmlns="" xmlns:a16="http://schemas.microsoft.com/office/drawing/2014/main" id="{3FB96811-304F-2346-9B21-1D3F2E2DC866}"/>
               </a:ext>
             </a:extLst>
           </p:cNvPr>
@@ -1913,7 +1913,7 @@
           <p:cNvPr id="2" name="Title 1">
             <a:extLst>
               <a:ext uri="{FF2B5EF4-FFF2-40B4-BE49-F238E27FC236}">
-                <a16:creationId xmlns:a16="http://schemas.microsoft.com/office/drawing/2014/main" xmlns="" id="{287D88A1-9255-7241-8107-1489A9A5056F}"/>
+                <a16:creationId xmlns="" xmlns:a16="http://schemas.microsoft.com/office/drawing/2014/main" id="{287D88A1-9255-7241-8107-1489A9A5056F}"/>
               </a:ext>
             </a:extLst>
           </p:cNvPr>
@@ -1941,7 +1941,7 @@
           <p:cNvPr id="3" name="Content Placeholder 2">
             <a:extLst>
               <a:ext uri="{FF2B5EF4-FFF2-40B4-BE49-F238E27FC236}">
-                <a16:creationId xmlns:a16="http://schemas.microsoft.com/office/drawing/2014/main" xmlns="" id="{93A75FBE-0F34-9F40-B265-5E85A84FEF9F}"/>
+                <a16:creationId xmlns="" xmlns:a16="http://schemas.microsoft.com/office/drawing/2014/main" id="{93A75FBE-0F34-9F40-B265-5E85A84FEF9F}"/>
               </a:ext>
             </a:extLst>
           </p:cNvPr>
@@ -2003,7 +2003,7 @@
           <p:cNvPr id="4" name="Content Placeholder 3">
             <a:extLst>
               <a:ext uri="{FF2B5EF4-FFF2-40B4-BE49-F238E27FC236}">
-                <a16:creationId xmlns:a16="http://schemas.microsoft.com/office/drawing/2014/main" xmlns="" id="{C6B649B7-B9B8-A84B-BF66-D030955F146E}"/>
+                <a16:creationId xmlns="" xmlns:a16="http://schemas.microsoft.com/office/drawing/2014/main" id="{C6B649B7-B9B8-A84B-BF66-D030955F146E}"/>
               </a:ext>
             </a:extLst>
           </p:cNvPr>
@@ -2065,7 +2065,7 @@
           <p:cNvPr id="5" name="Date Placeholder 4">
             <a:extLst>
               <a:ext uri="{FF2B5EF4-FFF2-40B4-BE49-F238E27FC236}">
-                <a16:creationId xmlns:a16="http://schemas.microsoft.com/office/drawing/2014/main" xmlns="" id="{89F504BC-772A-5E4A-A4F3-DB7E9CF2B828}"/>
+                <a16:creationId xmlns="" xmlns:a16="http://schemas.microsoft.com/office/drawing/2014/main" id="{89F504BC-772A-5E4A-A4F3-DB7E9CF2B828}"/>
               </a:ext>
             </a:extLst>
           </p:cNvPr>
@@ -2083,7 +2083,7 @@
           <a:p>
             <a:fld id="{A821AF8D-EA27-A940-BB27-147E164DA6E4}" type="datetimeFigureOut">
               <a:rPr lang="en-US" smtClean="0"/>
-              <a:t>9/12/20</a:t>
+              <a:t>10/11/20</a:t>
             </a:fld>
             <a:endParaRPr lang="en-US"/>
           </a:p>
@@ -2094,7 +2094,7 @@
           <p:cNvPr id="6" name="Footer Placeholder 5">
             <a:extLst>
               <a:ext uri="{FF2B5EF4-FFF2-40B4-BE49-F238E27FC236}">
-                <a16:creationId xmlns:a16="http://schemas.microsoft.com/office/drawing/2014/main" xmlns="" id="{26D361FA-0D24-A142-B6B2-377DF01A0EA5}"/>
+                <a16:creationId xmlns="" xmlns:a16="http://schemas.microsoft.com/office/drawing/2014/main" id="{26D361FA-0D24-A142-B6B2-377DF01A0EA5}"/>
               </a:ext>
             </a:extLst>
           </p:cNvPr>
@@ -2119,7 +2119,7 @@
           <p:cNvPr id="7" name="Slide Number Placeholder 6">
             <a:extLst>
               <a:ext uri="{FF2B5EF4-FFF2-40B4-BE49-F238E27FC236}">
-                <a16:creationId xmlns:a16="http://schemas.microsoft.com/office/drawing/2014/main" xmlns="" id="{B51D1DC7-3B60-CF4E-A23A-065E1DD56109}"/>
+                <a16:creationId xmlns="" xmlns:a16="http://schemas.microsoft.com/office/drawing/2014/main" id="{B51D1DC7-3B60-CF4E-A23A-065E1DD56109}"/>
               </a:ext>
             </a:extLst>
           </p:cNvPr>
@@ -2178,7 +2178,7 @@
           <p:cNvPr id="2" name="Title 1">
             <a:extLst>
               <a:ext uri="{FF2B5EF4-FFF2-40B4-BE49-F238E27FC236}">
-                <a16:creationId xmlns:a16="http://schemas.microsoft.com/office/drawing/2014/main" xmlns="" id="{1CB8379D-A4D0-B041-B780-237FB16B663D}"/>
+                <a16:creationId xmlns="" xmlns:a16="http://schemas.microsoft.com/office/drawing/2014/main" id="{1CB8379D-A4D0-B041-B780-237FB16B663D}"/>
               </a:ext>
             </a:extLst>
           </p:cNvPr>
@@ -2211,7 +2211,7 @@
           <p:cNvPr id="3" name="Text Placeholder 2">
             <a:extLst>
               <a:ext uri="{FF2B5EF4-FFF2-40B4-BE49-F238E27FC236}">
-                <a16:creationId xmlns:a16="http://schemas.microsoft.com/office/drawing/2014/main" xmlns="" id="{26068875-7984-8649-8598-9B56CB6F2C14}"/>
+                <a16:creationId xmlns="" xmlns:a16="http://schemas.microsoft.com/office/drawing/2014/main" id="{26068875-7984-8649-8598-9B56CB6F2C14}"/>
               </a:ext>
             </a:extLst>
           </p:cNvPr>
@@ -2282,7 +2282,7 @@
           <p:cNvPr id="4" name="Content Placeholder 3">
             <a:extLst>
               <a:ext uri="{FF2B5EF4-FFF2-40B4-BE49-F238E27FC236}">
-                <a16:creationId xmlns:a16="http://schemas.microsoft.com/office/drawing/2014/main" xmlns="" id="{BB7EB37C-72B6-FB4E-9B23-373779EA9573}"/>
+                <a16:creationId xmlns="" xmlns:a16="http://schemas.microsoft.com/office/drawing/2014/main" id="{BB7EB37C-72B6-FB4E-9B23-373779EA9573}"/>
               </a:ext>
             </a:extLst>
           </p:cNvPr>
@@ -2344,7 +2344,7 @@
           <p:cNvPr id="5" name="Text Placeholder 4">
             <a:extLst>
               <a:ext uri="{FF2B5EF4-FFF2-40B4-BE49-F238E27FC236}">
-                <a16:creationId xmlns:a16="http://schemas.microsoft.com/office/drawing/2014/main" xmlns="" id="{DCF177DF-058A-FC49-BF40-61087803DF73}"/>
+                <a16:creationId xmlns="" xmlns:a16="http://schemas.microsoft.com/office/drawing/2014/main" id="{DCF177DF-058A-FC49-BF40-61087803DF73}"/>
               </a:ext>
             </a:extLst>
           </p:cNvPr>
@@ -2415,7 +2415,7 @@
           <p:cNvPr id="6" name="Content Placeholder 5">
             <a:extLst>
               <a:ext uri="{FF2B5EF4-FFF2-40B4-BE49-F238E27FC236}">
-                <a16:creationId xmlns:a16="http://schemas.microsoft.com/office/drawing/2014/main" xmlns="" id="{3A91DE52-246D-E340-8DEF-CADD15C9BD5A}"/>
+                <a16:creationId xmlns="" xmlns:a16="http://schemas.microsoft.com/office/drawing/2014/main" id="{3A91DE52-246D-E340-8DEF-CADD15C9BD5A}"/>
               </a:ext>
             </a:extLst>
           </p:cNvPr>
@@ -2477,7 +2477,7 @@
           <p:cNvPr id="7" name="Date Placeholder 6">
             <a:extLst>
               <a:ext uri="{FF2B5EF4-FFF2-40B4-BE49-F238E27FC236}">
-                <a16:creationId xmlns:a16="http://schemas.microsoft.com/office/drawing/2014/main" xmlns="" id="{EB9D2EAB-942B-1744-AB3E-1167B0DA2617}"/>
+                <a16:creationId xmlns="" xmlns:a16="http://schemas.microsoft.com/office/drawing/2014/main" id="{EB9D2EAB-942B-1744-AB3E-1167B0DA2617}"/>
               </a:ext>
             </a:extLst>
           </p:cNvPr>
@@ -2495,7 +2495,7 @@
           <a:p>
             <a:fld id="{A821AF8D-EA27-A940-BB27-147E164DA6E4}" type="datetimeFigureOut">
               <a:rPr lang="en-US" smtClean="0"/>
-              <a:t>9/12/20</a:t>
+              <a:t>10/11/20</a:t>
             </a:fld>
             <a:endParaRPr lang="en-US"/>
           </a:p>
@@ -2506,7 +2506,7 @@
           <p:cNvPr id="8" name="Footer Placeholder 7">
             <a:extLst>
               <a:ext uri="{FF2B5EF4-FFF2-40B4-BE49-F238E27FC236}">
-                <a16:creationId xmlns:a16="http://schemas.microsoft.com/office/drawing/2014/main" xmlns="" id="{8E4704A6-171F-B74E-9060-3DFB15550A7C}"/>
+                <a16:creationId xmlns="" xmlns:a16="http://schemas.microsoft.com/office/drawing/2014/main" id="{8E4704A6-171F-B74E-9060-3DFB15550A7C}"/>
               </a:ext>
             </a:extLst>
           </p:cNvPr>
@@ -2531,7 +2531,7 @@
           <p:cNvPr id="9" name="Slide Number Placeholder 8">
             <a:extLst>
               <a:ext uri="{FF2B5EF4-FFF2-40B4-BE49-F238E27FC236}">
-                <a16:creationId xmlns:a16="http://schemas.microsoft.com/office/drawing/2014/main" xmlns="" id="{9BB6CDA1-5DBA-9D49-B352-DBF968D0CB70}"/>
+                <a16:creationId xmlns="" xmlns:a16="http://schemas.microsoft.com/office/drawing/2014/main" id="{9BB6CDA1-5DBA-9D49-B352-DBF968D0CB70}"/>
               </a:ext>
             </a:extLst>
           </p:cNvPr>
@@ -2590,7 +2590,7 @@
           <p:cNvPr id="2" name="Title 1">
             <a:extLst>
               <a:ext uri="{FF2B5EF4-FFF2-40B4-BE49-F238E27FC236}">
-                <a16:creationId xmlns:a16="http://schemas.microsoft.com/office/drawing/2014/main" xmlns="" id="{D5B0EB9B-D728-9E40-ABA5-2FE90BDAE6AA}"/>
+                <a16:creationId xmlns="" xmlns:a16="http://schemas.microsoft.com/office/drawing/2014/main" id="{D5B0EB9B-D728-9E40-ABA5-2FE90BDAE6AA}"/>
               </a:ext>
             </a:extLst>
           </p:cNvPr>
@@ -2618,7 +2618,7 @@
           <p:cNvPr id="3" name="Date Placeholder 2">
             <a:extLst>
               <a:ext uri="{FF2B5EF4-FFF2-40B4-BE49-F238E27FC236}">
-                <a16:creationId xmlns:a16="http://schemas.microsoft.com/office/drawing/2014/main" xmlns="" id="{52796596-4357-3A4A-8563-B2B91A18D3A4}"/>
+                <a16:creationId xmlns="" xmlns:a16="http://schemas.microsoft.com/office/drawing/2014/main" id="{52796596-4357-3A4A-8563-B2B91A18D3A4}"/>
               </a:ext>
             </a:extLst>
           </p:cNvPr>
@@ -2636,7 +2636,7 @@
           <a:p>
             <a:fld id="{A821AF8D-EA27-A940-BB27-147E164DA6E4}" type="datetimeFigureOut">
               <a:rPr lang="en-US" smtClean="0"/>
-              <a:t>9/12/20</a:t>
+              <a:t>10/11/20</a:t>
             </a:fld>
             <a:endParaRPr lang="en-US"/>
           </a:p>
@@ -2647,7 +2647,7 @@
           <p:cNvPr id="4" name="Footer Placeholder 3">
             <a:extLst>
               <a:ext uri="{FF2B5EF4-FFF2-40B4-BE49-F238E27FC236}">
-                <a16:creationId xmlns:a16="http://schemas.microsoft.com/office/drawing/2014/main" xmlns="" id="{42E3B0DF-5B3E-8E46-9F40-B84C0948A817}"/>
+                <a16:creationId xmlns="" xmlns:a16="http://schemas.microsoft.com/office/drawing/2014/main" id="{42E3B0DF-5B3E-8E46-9F40-B84C0948A817}"/>
               </a:ext>
             </a:extLst>
           </p:cNvPr>
@@ -2672,7 +2672,7 @@
           <p:cNvPr id="5" name="Slide Number Placeholder 4">
             <a:extLst>
               <a:ext uri="{FF2B5EF4-FFF2-40B4-BE49-F238E27FC236}">
-                <a16:creationId xmlns:a16="http://schemas.microsoft.com/office/drawing/2014/main" xmlns="" id="{E80D5EBC-72B6-0E4D-AA5D-3A0A4D9D3156}"/>
+                <a16:creationId xmlns="" xmlns:a16="http://schemas.microsoft.com/office/drawing/2014/main" id="{E80D5EBC-72B6-0E4D-AA5D-3A0A4D9D3156}"/>
               </a:ext>
             </a:extLst>
           </p:cNvPr>
@@ -2731,7 +2731,7 @@
           <p:cNvPr id="2" name="Date Placeholder 1">
             <a:extLst>
               <a:ext uri="{FF2B5EF4-FFF2-40B4-BE49-F238E27FC236}">
-                <a16:creationId xmlns:a16="http://schemas.microsoft.com/office/drawing/2014/main" xmlns="" id="{9746A7A7-5ACF-9D4D-9032-65B29DFDBF0F}"/>
+                <a16:creationId xmlns="" xmlns:a16="http://schemas.microsoft.com/office/drawing/2014/main" id="{9746A7A7-5ACF-9D4D-9032-65B29DFDBF0F}"/>
               </a:ext>
             </a:extLst>
           </p:cNvPr>
@@ -2749,7 +2749,7 @@
           <a:p>
             <a:fld id="{A821AF8D-EA27-A940-BB27-147E164DA6E4}" type="datetimeFigureOut">
               <a:rPr lang="en-US" smtClean="0"/>
-              <a:t>9/12/20</a:t>
+              <a:t>10/11/20</a:t>
             </a:fld>
             <a:endParaRPr lang="en-US"/>
           </a:p>
@@ -2760,7 +2760,7 @@
           <p:cNvPr id="3" name="Footer Placeholder 2">
             <a:extLst>
               <a:ext uri="{FF2B5EF4-FFF2-40B4-BE49-F238E27FC236}">
-                <a16:creationId xmlns:a16="http://schemas.microsoft.com/office/drawing/2014/main" xmlns="" id="{F12E0F61-A1D7-8F44-B829-F1C3D6B31F8B}"/>
+                <a16:creationId xmlns="" xmlns:a16="http://schemas.microsoft.com/office/drawing/2014/main" id="{F12E0F61-A1D7-8F44-B829-F1C3D6B31F8B}"/>
               </a:ext>
             </a:extLst>
           </p:cNvPr>
@@ -2785,7 +2785,7 @@
           <p:cNvPr id="4" name="Slide Number Placeholder 3">
             <a:extLst>
               <a:ext uri="{FF2B5EF4-FFF2-40B4-BE49-F238E27FC236}">
-                <a16:creationId xmlns:a16="http://schemas.microsoft.com/office/drawing/2014/main" xmlns="" id="{65747178-BED5-1C48-A6C3-76B82435B134}"/>
+                <a16:creationId xmlns="" xmlns:a16="http://schemas.microsoft.com/office/drawing/2014/main" id="{65747178-BED5-1C48-A6C3-76B82435B134}"/>
               </a:ext>
             </a:extLst>
           </p:cNvPr>
@@ -2844,7 +2844,7 @@
           <p:cNvPr id="2" name="Title 1">
             <a:extLst>
               <a:ext uri="{FF2B5EF4-FFF2-40B4-BE49-F238E27FC236}">
-                <a16:creationId xmlns:a16="http://schemas.microsoft.com/office/drawing/2014/main" xmlns="" id="{81C16306-B158-E140-812E-4649C538955C}"/>
+                <a16:creationId xmlns="" xmlns:a16="http://schemas.microsoft.com/office/drawing/2014/main" id="{81C16306-B158-E140-812E-4649C538955C}"/>
               </a:ext>
             </a:extLst>
           </p:cNvPr>
@@ -2881,7 +2881,7 @@
           <p:cNvPr id="3" name="Content Placeholder 2">
             <a:extLst>
               <a:ext uri="{FF2B5EF4-FFF2-40B4-BE49-F238E27FC236}">
-                <a16:creationId xmlns:a16="http://schemas.microsoft.com/office/drawing/2014/main" xmlns="" id="{2913B2FD-F386-E74E-B235-4A1338499D63}"/>
+                <a16:creationId xmlns="" xmlns:a16="http://schemas.microsoft.com/office/drawing/2014/main" id="{2913B2FD-F386-E74E-B235-4A1338499D63}"/>
               </a:ext>
             </a:extLst>
           </p:cNvPr>
@@ -2971,7 +2971,7 @@
           <p:cNvPr id="4" name="Text Placeholder 3">
             <a:extLst>
               <a:ext uri="{FF2B5EF4-FFF2-40B4-BE49-F238E27FC236}">
-                <a16:creationId xmlns:a16="http://schemas.microsoft.com/office/drawing/2014/main" xmlns="" id="{7E3B1F17-1E70-8943-9626-30A751863EAC}"/>
+                <a16:creationId xmlns="" xmlns:a16="http://schemas.microsoft.com/office/drawing/2014/main" id="{7E3B1F17-1E70-8943-9626-30A751863EAC}"/>
               </a:ext>
             </a:extLst>
           </p:cNvPr>
@@ -3042,7 +3042,7 @@
           <p:cNvPr id="5" name="Date Placeholder 4">
             <a:extLst>
               <a:ext uri="{FF2B5EF4-FFF2-40B4-BE49-F238E27FC236}">
-                <a16:creationId xmlns:a16="http://schemas.microsoft.com/office/drawing/2014/main" xmlns="" id="{FFDBF623-8A9A-7649-8EC2-2CE90E4E5594}"/>
+                <a16:creationId xmlns="" xmlns:a16="http://schemas.microsoft.com/office/drawing/2014/main" id="{FFDBF623-8A9A-7649-8EC2-2CE90E4E5594}"/>
               </a:ext>
             </a:extLst>
           </p:cNvPr>
@@ -3060,7 +3060,7 @@
           <a:p>
             <a:fld id="{A821AF8D-EA27-A940-BB27-147E164DA6E4}" type="datetimeFigureOut">
               <a:rPr lang="en-US" smtClean="0"/>
-              <a:t>9/12/20</a:t>
+              <a:t>10/11/20</a:t>
             </a:fld>
             <a:endParaRPr lang="en-US"/>
           </a:p>
@@ -3071,7 +3071,7 @@
           <p:cNvPr id="6" name="Footer Placeholder 5">
             <a:extLst>
               <a:ext uri="{FF2B5EF4-FFF2-40B4-BE49-F238E27FC236}">
-                <a16:creationId xmlns:a16="http://schemas.microsoft.com/office/drawing/2014/main" xmlns="" id="{E78B6AA3-A4EF-3243-9D30-C361EC7E4E78}"/>
+                <a16:creationId xmlns="" xmlns:a16="http://schemas.microsoft.com/office/drawing/2014/main" id="{E78B6AA3-A4EF-3243-9D30-C361EC7E4E78}"/>
               </a:ext>
             </a:extLst>
           </p:cNvPr>
@@ -3096,7 +3096,7 @@
           <p:cNvPr id="7" name="Slide Number Placeholder 6">
             <a:extLst>
               <a:ext uri="{FF2B5EF4-FFF2-40B4-BE49-F238E27FC236}">
-                <a16:creationId xmlns:a16="http://schemas.microsoft.com/office/drawing/2014/main" xmlns="" id="{ADB4200A-A0D8-1646-AF64-1B1103468CC6}"/>
+                <a16:creationId xmlns="" xmlns:a16="http://schemas.microsoft.com/office/drawing/2014/main" id="{ADB4200A-A0D8-1646-AF64-1B1103468CC6}"/>
               </a:ext>
             </a:extLst>
           </p:cNvPr>
@@ -3155,7 +3155,7 @@
           <p:cNvPr id="2" name="Title 1">
             <a:extLst>
               <a:ext uri="{FF2B5EF4-FFF2-40B4-BE49-F238E27FC236}">
-                <a16:creationId xmlns:a16="http://schemas.microsoft.com/office/drawing/2014/main" xmlns="" id="{BA1870D9-ACB3-0D4E-9068-5A5A161164EC}"/>
+                <a16:creationId xmlns="" xmlns:a16="http://schemas.microsoft.com/office/drawing/2014/main" id="{BA1870D9-ACB3-0D4E-9068-5A5A161164EC}"/>
               </a:ext>
             </a:extLst>
           </p:cNvPr>
@@ -3192,7 +3192,7 @@
           <p:cNvPr id="3" name="Picture Placeholder 2">
             <a:extLst>
               <a:ext uri="{FF2B5EF4-FFF2-40B4-BE49-F238E27FC236}">
-                <a16:creationId xmlns:a16="http://schemas.microsoft.com/office/drawing/2014/main" xmlns="" id="{29D71151-C025-C242-B1B5-9F476E37DF56}"/>
+                <a16:creationId xmlns="" xmlns:a16="http://schemas.microsoft.com/office/drawing/2014/main" id="{29D71151-C025-C242-B1B5-9F476E37DF56}"/>
               </a:ext>
             </a:extLst>
           </p:cNvPr>
@@ -3259,7 +3259,7 @@
           <p:cNvPr id="4" name="Text Placeholder 3">
             <a:extLst>
               <a:ext uri="{FF2B5EF4-FFF2-40B4-BE49-F238E27FC236}">
-                <a16:creationId xmlns:a16="http://schemas.microsoft.com/office/drawing/2014/main" xmlns="" id="{BA1062D9-5600-154E-A452-F2C2D4AFC94F}"/>
+                <a16:creationId xmlns="" xmlns:a16="http://schemas.microsoft.com/office/drawing/2014/main" id="{BA1062D9-5600-154E-A452-F2C2D4AFC94F}"/>
               </a:ext>
             </a:extLst>
           </p:cNvPr>
@@ -3330,7 +3330,7 @@
           <p:cNvPr id="5" name="Date Placeholder 4">
             <a:extLst>
               <a:ext uri="{FF2B5EF4-FFF2-40B4-BE49-F238E27FC236}">
-                <a16:creationId xmlns:a16="http://schemas.microsoft.com/office/drawing/2014/main" xmlns="" id="{34D168B1-1FAB-E942-B6ED-55BB23E10956}"/>
+                <a16:creationId xmlns="" xmlns:a16="http://schemas.microsoft.com/office/drawing/2014/main" id="{34D168B1-1FAB-E942-B6ED-55BB23E10956}"/>
               </a:ext>
             </a:extLst>
           </p:cNvPr>
@@ -3348,7 +3348,7 @@
           <a:p>
             <a:fld id="{A821AF8D-EA27-A940-BB27-147E164DA6E4}" type="datetimeFigureOut">
               <a:rPr lang="en-US" smtClean="0"/>
-              <a:t>9/12/20</a:t>
+              <a:t>10/11/20</a:t>
             </a:fld>
             <a:endParaRPr lang="en-US"/>
           </a:p>
@@ -3359,7 +3359,7 @@
           <p:cNvPr id="6" name="Footer Placeholder 5">
             <a:extLst>
               <a:ext uri="{FF2B5EF4-FFF2-40B4-BE49-F238E27FC236}">
-                <a16:creationId xmlns:a16="http://schemas.microsoft.com/office/drawing/2014/main" xmlns="" id="{1CF0FA1C-B8DF-C246-A650-C7281E1054C5}"/>
+                <a16:creationId xmlns="" xmlns:a16="http://schemas.microsoft.com/office/drawing/2014/main" id="{1CF0FA1C-B8DF-C246-A650-C7281E1054C5}"/>
               </a:ext>
             </a:extLst>
           </p:cNvPr>
@@ -3384,7 +3384,7 @@
           <p:cNvPr id="7" name="Slide Number Placeholder 6">
             <a:extLst>
               <a:ext uri="{FF2B5EF4-FFF2-40B4-BE49-F238E27FC236}">
-                <a16:creationId xmlns:a16="http://schemas.microsoft.com/office/drawing/2014/main" xmlns="" id="{20AECDB3-D9B8-D542-9026-2BEE4302E9D5}"/>
+                <a16:creationId xmlns="" xmlns:a16="http://schemas.microsoft.com/office/drawing/2014/main" id="{20AECDB3-D9B8-D542-9026-2BEE4302E9D5}"/>
               </a:ext>
             </a:extLst>
           </p:cNvPr>
@@ -3448,7 +3448,7 @@
           <p:cNvPr id="2" name="Title Placeholder 1">
             <a:extLst>
               <a:ext uri="{FF2B5EF4-FFF2-40B4-BE49-F238E27FC236}">
-                <a16:creationId xmlns:a16="http://schemas.microsoft.com/office/drawing/2014/main" xmlns="" id="{4A65BC0C-19BC-2549-8995-7E8B378E17D2}"/>
+                <a16:creationId xmlns="" xmlns:a16="http://schemas.microsoft.com/office/drawing/2014/main" id="{4A65BC0C-19BC-2549-8995-7E8B378E17D2}"/>
               </a:ext>
             </a:extLst>
           </p:cNvPr>
@@ -3486,7 +3486,7 @@
           <p:cNvPr id="3" name="Text Placeholder 2">
             <a:extLst>
               <a:ext uri="{FF2B5EF4-FFF2-40B4-BE49-F238E27FC236}">
-                <a16:creationId xmlns:a16="http://schemas.microsoft.com/office/drawing/2014/main" xmlns="" id="{71552650-696F-2547-A413-E3ECFAA92E2A}"/>
+                <a16:creationId xmlns="" xmlns:a16="http://schemas.microsoft.com/office/drawing/2014/main" id="{71552650-696F-2547-A413-E3ECFAA92E2A}"/>
               </a:ext>
             </a:extLst>
           </p:cNvPr>
@@ -3553,7 +3553,7 @@
           <p:cNvPr id="4" name="Date Placeholder 3">
             <a:extLst>
               <a:ext uri="{FF2B5EF4-FFF2-40B4-BE49-F238E27FC236}">
-                <a16:creationId xmlns:a16="http://schemas.microsoft.com/office/drawing/2014/main" xmlns="" id="{BBE2F41E-2A35-E244-B0E9-0F2D42D70907}"/>
+                <a16:creationId xmlns="" xmlns:a16="http://schemas.microsoft.com/office/drawing/2014/main" id="{BBE2F41E-2A35-E244-B0E9-0F2D42D70907}"/>
               </a:ext>
             </a:extLst>
           </p:cNvPr>
@@ -3589,7 +3589,7 @@
           <a:p>
             <a:fld id="{A821AF8D-EA27-A940-BB27-147E164DA6E4}" type="datetimeFigureOut">
               <a:rPr lang="en-US" smtClean="0"/>
-              <a:t>9/12/20</a:t>
+              <a:t>10/11/20</a:t>
             </a:fld>
             <a:endParaRPr lang="en-US"/>
           </a:p>
@@ -3600,7 +3600,7 @@
           <p:cNvPr id="5" name="Footer Placeholder 4">
             <a:extLst>
               <a:ext uri="{FF2B5EF4-FFF2-40B4-BE49-F238E27FC236}">
-                <a16:creationId xmlns:a16="http://schemas.microsoft.com/office/drawing/2014/main" xmlns="" id="{4379C32E-1905-7147-84E6-47A918D822B0}"/>
+                <a16:creationId xmlns="" xmlns:a16="http://schemas.microsoft.com/office/drawing/2014/main" id="{4379C32E-1905-7147-84E6-47A918D822B0}"/>
               </a:ext>
             </a:extLst>
           </p:cNvPr>
@@ -3643,7 +3643,7 @@
           <p:cNvPr id="6" name="Slide Number Placeholder 5">
             <a:extLst>
               <a:ext uri="{FF2B5EF4-FFF2-40B4-BE49-F238E27FC236}">
-                <a16:creationId xmlns:a16="http://schemas.microsoft.com/office/drawing/2014/main" xmlns="" id="{807A4420-334A-5B41-876F-C8F61186E1C0}"/>
+                <a16:creationId xmlns="" xmlns:a16="http://schemas.microsoft.com/office/drawing/2014/main" id="{807A4420-334A-5B41-876F-C8F61186E1C0}"/>
               </a:ext>
             </a:extLst>
           </p:cNvPr>
@@ -4181,11 +4181,6 @@
               </a:rPr>
               <a:t>for the Shodor Education Foundation, Inc.</a:t>
             </a:r>
-            <a:endParaRPr lang="en-US" sz="3600" i="1" dirty="0">
-              <a:latin typeface="Times New Roman" charset="0"/>
-              <a:ea typeface="Times New Roman" charset="0"/>
-              <a:cs typeface="Times New Roman" charset="0"/>
-            </a:endParaRPr>
           </a:p>
         </p:txBody>
       </p:sp>
@@ -4239,10 +4234,10 @@
           <p:cNvPr id="10" name="Rectangle 9">
             <a:extLst>
               <a:ext uri="{FF2B5EF4-FFF2-40B4-BE49-F238E27FC236}">
-                <a16:creationId xmlns:a16="http://schemas.microsoft.com/office/drawing/2014/main" xmlns="" id="{3A4F209C-C20E-4FA7-B241-1EF4F8D193B2}"/>
+                <a16:creationId xmlns="" xmlns:a16="http://schemas.microsoft.com/office/drawing/2014/main" id="{3A4F209C-C20E-4FA7-B241-1EF4F8D193B2}"/>
               </a:ext>
               <a:ext uri="{C183D7F6-B498-43B3-948B-1728B52AA6E4}">
-                <adec:decorative xmlns:adec="http://schemas.microsoft.com/office/drawing/2017/decorative" xmlns="" val="1"/>
+                <adec:decorative xmlns="" xmlns:adec="http://schemas.microsoft.com/office/drawing/2017/decorative" val="1"/>
               </a:ext>
             </a:extLst>
           </p:cNvPr>
@@ -4331,10 +4326,10 @@
           <p:cNvPr id="12" name="Rectangle 11">
             <a:extLst>
               <a:ext uri="{FF2B5EF4-FFF2-40B4-BE49-F238E27FC236}">
-                <a16:creationId xmlns:a16="http://schemas.microsoft.com/office/drawing/2014/main" xmlns="" id="{E4564234-45B0-4ED8-A9E2-199C00173276}"/>
+                <a16:creationId xmlns="" xmlns:a16="http://schemas.microsoft.com/office/drawing/2014/main" id="{E4564234-45B0-4ED8-A9E2-199C00173276}"/>
               </a:ext>
               <a:ext uri="{C183D7F6-B498-43B3-948B-1728B52AA6E4}">
-                <adec:decorative xmlns:adec="http://schemas.microsoft.com/office/drawing/2017/decorative" xmlns="" val="1"/>
+                <adec:decorative xmlns="" xmlns:adec="http://schemas.microsoft.com/office/drawing/2017/decorative" val="1"/>
               </a:ext>
             </a:extLst>
           </p:cNvPr>
@@ -4420,7 +4415,7 @@
           <p:cNvPr id="2" name="Title 1">
             <a:extLst>
               <a:ext uri="{FF2B5EF4-FFF2-40B4-BE49-F238E27FC236}">
-                <a16:creationId xmlns:a16="http://schemas.microsoft.com/office/drawing/2014/main" xmlns="" id="{12AE96A0-ED8F-624C-A189-18C57DFFC328}"/>
+                <a16:creationId xmlns="" xmlns:a16="http://schemas.microsoft.com/office/drawing/2014/main" id="{12AE96A0-ED8F-624C-A189-18C57DFFC328}"/>
               </a:ext>
             </a:extLst>
           </p:cNvPr>
@@ -4464,7 +4459,7 @@
               <p:cNvPr id="5" name="Content Placeholder 4">
                 <a:extLst>
                   <a:ext uri="{FF2B5EF4-FFF2-40B4-BE49-F238E27FC236}">
-                    <a16:creationId xmlns:a16="http://schemas.microsoft.com/office/drawing/2014/main" xmlns="" id="{D709A5CC-AC22-0340-8F44-73A8C271AE35}"/>
+                    <a16:creationId xmlns="" xmlns:a16="http://schemas.microsoft.com/office/drawing/2014/main" id="{D709A5CC-AC22-0340-8F44-73A8C271AE35}"/>
                   </a:ext>
                 </a:extLst>
               </p:cNvPr>
@@ -5934,10 +5929,10 @@
           <p:cNvPr id="10" name="Rectangle 9">
             <a:extLst>
               <a:ext uri="{FF2B5EF4-FFF2-40B4-BE49-F238E27FC236}">
-                <a16:creationId xmlns:a16="http://schemas.microsoft.com/office/drawing/2014/main" xmlns="" id="{3A4F209C-C20E-4FA7-B241-1EF4F8D193B2}"/>
+                <a16:creationId xmlns="" xmlns:a16="http://schemas.microsoft.com/office/drawing/2014/main" id="{3A4F209C-C20E-4FA7-B241-1EF4F8D193B2}"/>
               </a:ext>
               <a:ext uri="{C183D7F6-B498-43B3-948B-1728B52AA6E4}">
-                <adec:decorative xmlns:adec="http://schemas.microsoft.com/office/drawing/2017/decorative" xmlns="" val="1"/>
+                <adec:decorative xmlns="" xmlns:adec="http://schemas.microsoft.com/office/drawing/2017/decorative" val="1"/>
               </a:ext>
             </a:extLst>
           </p:cNvPr>
@@ -6026,10 +6021,10 @@
           <p:cNvPr id="12" name="Rectangle 11">
             <a:extLst>
               <a:ext uri="{FF2B5EF4-FFF2-40B4-BE49-F238E27FC236}">
-                <a16:creationId xmlns:a16="http://schemas.microsoft.com/office/drawing/2014/main" xmlns="" id="{E4564234-45B0-4ED8-A9E2-199C00173276}"/>
+                <a16:creationId xmlns="" xmlns:a16="http://schemas.microsoft.com/office/drawing/2014/main" id="{E4564234-45B0-4ED8-A9E2-199C00173276}"/>
               </a:ext>
               <a:ext uri="{C183D7F6-B498-43B3-948B-1728B52AA6E4}">
-                <adec:decorative xmlns:adec="http://schemas.microsoft.com/office/drawing/2017/decorative" xmlns="" val="1"/>
+                <adec:decorative xmlns="" xmlns:adec="http://schemas.microsoft.com/office/drawing/2017/decorative" val="1"/>
               </a:ext>
             </a:extLst>
           </p:cNvPr>
@@ -6115,7 +6110,7 @@
           <p:cNvPr id="2" name="Title 1">
             <a:extLst>
               <a:ext uri="{FF2B5EF4-FFF2-40B4-BE49-F238E27FC236}">
-                <a16:creationId xmlns:a16="http://schemas.microsoft.com/office/drawing/2014/main" xmlns="" id="{12AE96A0-ED8F-624C-A189-18C57DFFC328}"/>
+                <a16:creationId xmlns="" xmlns:a16="http://schemas.microsoft.com/office/drawing/2014/main" id="{12AE96A0-ED8F-624C-A189-18C57DFFC328}"/>
               </a:ext>
             </a:extLst>
           </p:cNvPr>
@@ -6157,7 +6152,7 @@
           <p:cNvPr id="5" name="Content Placeholder 4">
             <a:extLst>
               <a:ext uri="{FF2B5EF4-FFF2-40B4-BE49-F238E27FC236}">
-                <a16:creationId xmlns:a16="http://schemas.microsoft.com/office/drawing/2014/main" xmlns="" id="{D709A5CC-AC22-0340-8F44-73A8C271AE35}"/>
+                <a16:creationId xmlns="" xmlns:a16="http://schemas.microsoft.com/office/drawing/2014/main" id="{D709A5CC-AC22-0340-8F44-73A8C271AE35}"/>
               </a:ext>
             </a:extLst>
           </p:cNvPr>
@@ -6427,7 +6422,7 @@
           <p:cNvPr id="2" name="Title 1">
             <a:extLst>
               <a:ext uri="{FF2B5EF4-FFF2-40B4-BE49-F238E27FC236}">
-                <a16:creationId xmlns:a16="http://schemas.microsoft.com/office/drawing/2014/main" xmlns="" id="{12AE96A0-ED8F-624C-A189-18C57DFFC328}"/>
+                <a16:creationId xmlns="" xmlns:a16="http://schemas.microsoft.com/office/drawing/2014/main" id="{12AE96A0-ED8F-624C-A189-18C57DFFC328}"/>
               </a:ext>
             </a:extLst>
           </p:cNvPr>
@@ -6495,7 +6490,7 @@
           <p:cNvPr id="2" name="Title 1">
             <a:extLst>
               <a:ext uri="{FF2B5EF4-FFF2-40B4-BE49-F238E27FC236}">
-                <a16:creationId xmlns:a16="http://schemas.microsoft.com/office/drawing/2014/main" xmlns="" id="{12AE96A0-ED8F-624C-A189-18C57DFFC328}"/>
+                <a16:creationId xmlns="" xmlns:a16="http://schemas.microsoft.com/office/drawing/2014/main" id="{12AE96A0-ED8F-624C-A189-18C57DFFC328}"/>
               </a:ext>
             </a:extLst>
           </p:cNvPr>
@@ -6525,7 +6520,7 @@
           <p:cNvPr id="5" name="Content Placeholder 4">
             <a:extLst>
               <a:ext uri="{FF2B5EF4-FFF2-40B4-BE49-F238E27FC236}">
-                <a16:creationId xmlns:a16="http://schemas.microsoft.com/office/drawing/2014/main" xmlns="" id="{D709A5CC-AC22-0340-8F44-73A8C271AE35}"/>
+                <a16:creationId xmlns="" xmlns:a16="http://schemas.microsoft.com/office/drawing/2014/main" id="{D709A5CC-AC22-0340-8F44-73A8C271AE35}"/>
               </a:ext>
             </a:extLst>
           </p:cNvPr>
@@ -6601,10 +6596,10 @@
           <p:cNvPr id="10" name="Rectangle 9">
             <a:extLst>
               <a:ext uri="{FF2B5EF4-FFF2-40B4-BE49-F238E27FC236}">
-                <a16:creationId xmlns:a16="http://schemas.microsoft.com/office/drawing/2014/main" xmlns="" id="{3A4F209C-C20E-4FA7-B241-1EF4F8D193B2}"/>
+                <a16:creationId xmlns="" xmlns:a16="http://schemas.microsoft.com/office/drawing/2014/main" id="{3A4F209C-C20E-4FA7-B241-1EF4F8D193B2}"/>
               </a:ext>
               <a:ext uri="{C183D7F6-B498-43B3-948B-1728B52AA6E4}">
-                <adec:decorative xmlns:adec="http://schemas.microsoft.com/office/drawing/2017/decorative" xmlns="" val="1"/>
+                <adec:decorative xmlns="" xmlns:adec="http://schemas.microsoft.com/office/drawing/2017/decorative" val="1"/>
               </a:ext>
             </a:extLst>
           </p:cNvPr>
@@ -6693,10 +6688,10 @@
           <p:cNvPr id="12" name="Rectangle 11">
             <a:extLst>
               <a:ext uri="{FF2B5EF4-FFF2-40B4-BE49-F238E27FC236}">
-                <a16:creationId xmlns:a16="http://schemas.microsoft.com/office/drawing/2014/main" xmlns="" id="{E4564234-45B0-4ED8-A9E2-199C00173276}"/>
+                <a16:creationId xmlns="" xmlns:a16="http://schemas.microsoft.com/office/drawing/2014/main" id="{E4564234-45B0-4ED8-A9E2-199C00173276}"/>
               </a:ext>
               <a:ext uri="{C183D7F6-B498-43B3-948B-1728B52AA6E4}">
-                <adec:decorative xmlns:adec="http://schemas.microsoft.com/office/drawing/2017/decorative" xmlns="" val="1"/>
+                <adec:decorative xmlns="" xmlns:adec="http://schemas.microsoft.com/office/drawing/2017/decorative" val="1"/>
               </a:ext>
             </a:extLst>
           </p:cNvPr>
@@ -6782,7 +6777,7 @@
           <p:cNvPr id="2" name="Title 1">
             <a:extLst>
               <a:ext uri="{FF2B5EF4-FFF2-40B4-BE49-F238E27FC236}">
-                <a16:creationId xmlns:a16="http://schemas.microsoft.com/office/drawing/2014/main" xmlns="" id="{12AE96A0-ED8F-624C-A189-18C57DFFC328}"/>
+                <a16:creationId xmlns="" xmlns:a16="http://schemas.microsoft.com/office/drawing/2014/main" id="{12AE96A0-ED8F-624C-A189-18C57DFFC328}"/>
               </a:ext>
             </a:extLst>
           </p:cNvPr>
@@ -6824,7 +6819,7 @@
           <p:cNvPr id="5" name="Content Placeholder 4">
             <a:extLst>
               <a:ext uri="{FF2B5EF4-FFF2-40B4-BE49-F238E27FC236}">
-                <a16:creationId xmlns:a16="http://schemas.microsoft.com/office/drawing/2014/main" xmlns="" id="{D709A5CC-AC22-0340-8F44-73A8C271AE35}"/>
+                <a16:creationId xmlns="" xmlns:a16="http://schemas.microsoft.com/office/drawing/2014/main" id="{D709A5CC-AC22-0340-8F44-73A8C271AE35}"/>
               </a:ext>
             </a:extLst>
           </p:cNvPr>
@@ -7644,10 +7639,10 @@
           <p:cNvPr id="10" name="Rectangle 9">
             <a:extLst>
               <a:ext uri="{FF2B5EF4-FFF2-40B4-BE49-F238E27FC236}">
-                <a16:creationId xmlns:a16="http://schemas.microsoft.com/office/drawing/2014/main" xmlns="" id="{3A4F209C-C20E-4FA7-B241-1EF4F8D193B2}"/>
+                <a16:creationId xmlns="" xmlns:a16="http://schemas.microsoft.com/office/drawing/2014/main" id="{3A4F209C-C20E-4FA7-B241-1EF4F8D193B2}"/>
               </a:ext>
               <a:ext uri="{C183D7F6-B498-43B3-948B-1728B52AA6E4}">
-                <adec:decorative xmlns:adec="http://schemas.microsoft.com/office/drawing/2017/decorative" xmlns="" val="1"/>
+                <adec:decorative xmlns="" xmlns:adec="http://schemas.microsoft.com/office/drawing/2017/decorative" val="1"/>
               </a:ext>
             </a:extLst>
           </p:cNvPr>
@@ -7736,10 +7731,10 @@
           <p:cNvPr id="12" name="Rectangle 11">
             <a:extLst>
               <a:ext uri="{FF2B5EF4-FFF2-40B4-BE49-F238E27FC236}">
-                <a16:creationId xmlns:a16="http://schemas.microsoft.com/office/drawing/2014/main" xmlns="" id="{E4564234-45B0-4ED8-A9E2-199C00173276}"/>
+                <a16:creationId xmlns="" xmlns:a16="http://schemas.microsoft.com/office/drawing/2014/main" id="{E4564234-45B0-4ED8-A9E2-199C00173276}"/>
               </a:ext>
               <a:ext uri="{C183D7F6-B498-43B3-948B-1728B52AA6E4}">
-                <adec:decorative xmlns:adec="http://schemas.microsoft.com/office/drawing/2017/decorative" xmlns="" val="1"/>
+                <adec:decorative xmlns="" xmlns:adec="http://schemas.microsoft.com/office/drawing/2017/decorative" val="1"/>
               </a:ext>
             </a:extLst>
           </p:cNvPr>
@@ -7825,7 +7820,7 @@
           <p:cNvPr id="2" name="Title 1">
             <a:extLst>
               <a:ext uri="{FF2B5EF4-FFF2-40B4-BE49-F238E27FC236}">
-                <a16:creationId xmlns:a16="http://schemas.microsoft.com/office/drawing/2014/main" xmlns="" id="{12AE96A0-ED8F-624C-A189-18C57DFFC328}"/>
+                <a16:creationId xmlns="" xmlns:a16="http://schemas.microsoft.com/office/drawing/2014/main" id="{12AE96A0-ED8F-624C-A189-18C57DFFC328}"/>
               </a:ext>
             </a:extLst>
           </p:cNvPr>
@@ -7867,7 +7862,7 @@
           <p:cNvPr id="5" name="Content Placeholder 4">
             <a:extLst>
               <a:ext uri="{FF2B5EF4-FFF2-40B4-BE49-F238E27FC236}">
-                <a16:creationId xmlns:a16="http://schemas.microsoft.com/office/drawing/2014/main" xmlns="" id="{D709A5CC-AC22-0340-8F44-73A8C271AE35}"/>
+                <a16:creationId xmlns="" xmlns:a16="http://schemas.microsoft.com/office/drawing/2014/main" id="{D709A5CC-AC22-0340-8F44-73A8C271AE35}"/>
               </a:ext>
             </a:extLst>
           </p:cNvPr>
@@ -8733,7 +8728,7 @@
           <p:cNvPr id="2" name="Title 1">
             <a:extLst>
               <a:ext uri="{FF2B5EF4-FFF2-40B4-BE49-F238E27FC236}">
-                <a16:creationId xmlns:a16="http://schemas.microsoft.com/office/drawing/2014/main" xmlns="" id="{AD203B07-CB94-C543-8FED-3C2B518FCA0D}"/>
+                <a16:creationId xmlns="" xmlns:a16="http://schemas.microsoft.com/office/drawing/2014/main" id="{AD203B07-CB94-C543-8FED-3C2B518FCA0D}"/>
               </a:ext>
             </a:extLst>
           </p:cNvPr>
@@ -8768,7 +8763,7 @@
           <p:cNvPr id="3" name="Content Placeholder 2">
             <a:extLst>
               <a:ext uri="{FF2B5EF4-FFF2-40B4-BE49-F238E27FC236}">
-                <a16:creationId xmlns:a16="http://schemas.microsoft.com/office/drawing/2014/main" xmlns="" id="{4E4B41E3-9411-4142-90D8-7B1BB45F2911}"/>
+                <a16:creationId xmlns="" xmlns:a16="http://schemas.microsoft.com/office/drawing/2014/main" id="{4E4B41E3-9411-4142-90D8-7B1BB45F2911}"/>
               </a:ext>
             </a:extLst>
           </p:cNvPr>
@@ -8824,10 +8819,10 @@
           <p:cNvPr id="29" name="Rectangle 28">
             <a:extLst>
               <a:ext uri="{FF2B5EF4-FFF2-40B4-BE49-F238E27FC236}">
-                <a16:creationId xmlns:a16="http://schemas.microsoft.com/office/drawing/2014/main" xmlns="" id="{293F5FFF-2AE2-424B-BE21-49AFFEF68811}"/>
+                <a16:creationId xmlns="" xmlns:a16="http://schemas.microsoft.com/office/drawing/2014/main" id="{293F5FFF-2AE2-424B-BE21-49AFFEF68811}"/>
               </a:ext>
               <a:ext uri="{C183D7F6-B498-43B3-948B-1728B52AA6E4}">
-                <adec:decorative xmlns:adec="http://schemas.microsoft.com/office/drawing/2017/decorative" xmlns="" val="1"/>
+                <adec:decorative xmlns="" xmlns:adec="http://schemas.microsoft.com/office/drawing/2017/decorative" val="1"/>
               </a:ext>
             </a:extLst>
           </p:cNvPr>
@@ -8916,7 +8911,7 @@
           <p:cNvPr id="9" name="Picture 8" descr="A plot of runtime versus number of processors for the parallel code presented and a line representing the runtime of the serial code on BlueWaters">
             <a:extLst>
               <a:ext uri="{FF2B5EF4-FFF2-40B4-BE49-F238E27FC236}">
-                <a16:creationId xmlns:a16="http://schemas.microsoft.com/office/drawing/2014/main" xmlns="" id="{187234AE-B7B2-0149-9F5C-79F99D53878B}"/>
+                <a16:creationId xmlns="" xmlns:a16="http://schemas.microsoft.com/office/drawing/2014/main" id="{187234AE-B7B2-0149-9F5C-79F99D53878B}"/>
               </a:ext>
             </a:extLst>
           </p:cNvPr>
@@ -8984,7 +8979,7 @@
           <p:cNvPr id="2" name="Title 1">
             <a:extLst>
               <a:ext uri="{FF2B5EF4-FFF2-40B4-BE49-F238E27FC236}">
-                <a16:creationId xmlns:a16="http://schemas.microsoft.com/office/drawing/2014/main" xmlns="" id="{12AE96A0-ED8F-624C-A189-18C57DFFC328}"/>
+                <a16:creationId xmlns="" xmlns:a16="http://schemas.microsoft.com/office/drawing/2014/main" id="{12AE96A0-ED8F-624C-A189-18C57DFFC328}"/>
               </a:ext>
             </a:extLst>
           </p:cNvPr>
@@ -9052,10 +9047,10 @@
           <p:cNvPr id="10" name="Rectangle 9">
             <a:extLst>
               <a:ext uri="{FF2B5EF4-FFF2-40B4-BE49-F238E27FC236}">
-                <a16:creationId xmlns:a16="http://schemas.microsoft.com/office/drawing/2014/main" xmlns="" id="{3A4F209C-C20E-4FA7-B241-1EF4F8D193B2}"/>
+                <a16:creationId xmlns="" xmlns:a16="http://schemas.microsoft.com/office/drawing/2014/main" id="{3A4F209C-C20E-4FA7-B241-1EF4F8D193B2}"/>
               </a:ext>
               <a:ext uri="{C183D7F6-B498-43B3-948B-1728B52AA6E4}">
-                <adec:decorative xmlns:adec="http://schemas.microsoft.com/office/drawing/2017/decorative" xmlns="" val="1"/>
+                <adec:decorative xmlns="" xmlns:adec="http://schemas.microsoft.com/office/drawing/2017/decorative" val="1"/>
               </a:ext>
             </a:extLst>
           </p:cNvPr>
@@ -9144,10 +9139,10 @@
           <p:cNvPr id="12" name="Rectangle 11">
             <a:extLst>
               <a:ext uri="{FF2B5EF4-FFF2-40B4-BE49-F238E27FC236}">
-                <a16:creationId xmlns:a16="http://schemas.microsoft.com/office/drawing/2014/main" xmlns="" id="{E4564234-45B0-4ED8-A9E2-199C00173276}"/>
+                <a16:creationId xmlns="" xmlns:a16="http://schemas.microsoft.com/office/drawing/2014/main" id="{E4564234-45B0-4ED8-A9E2-199C00173276}"/>
               </a:ext>
               <a:ext uri="{C183D7F6-B498-43B3-948B-1728B52AA6E4}">
-                <adec:decorative xmlns:adec="http://schemas.microsoft.com/office/drawing/2017/decorative" xmlns="" val="1"/>
+                <adec:decorative xmlns="" xmlns:adec="http://schemas.microsoft.com/office/drawing/2017/decorative" val="1"/>
               </a:ext>
             </a:extLst>
           </p:cNvPr>
@@ -9233,7 +9228,7 @@
           <p:cNvPr id="2" name="Title 1">
             <a:extLst>
               <a:ext uri="{FF2B5EF4-FFF2-40B4-BE49-F238E27FC236}">
-                <a16:creationId xmlns:a16="http://schemas.microsoft.com/office/drawing/2014/main" xmlns="" id="{12AE96A0-ED8F-624C-A189-18C57DFFC328}"/>
+                <a16:creationId xmlns="" xmlns:a16="http://schemas.microsoft.com/office/drawing/2014/main" id="{12AE96A0-ED8F-624C-A189-18C57DFFC328}"/>
               </a:ext>
             </a:extLst>
           </p:cNvPr>
@@ -9275,7 +9270,7 @@
           <p:cNvPr id="5" name="Content Placeholder 4">
             <a:extLst>
               <a:ext uri="{FF2B5EF4-FFF2-40B4-BE49-F238E27FC236}">
-                <a16:creationId xmlns:a16="http://schemas.microsoft.com/office/drawing/2014/main" xmlns="" id="{D709A5CC-AC22-0340-8F44-73A8C271AE35}"/>
+                <a16:creationId xmlns="" xmlns:a16="http://schemas.microsoft.com/office/drawing/2014/main" id="{D709A5CC-AC22-0340-8F44-73A8C271AE35}"/>
               </a:ext>
             </a:extLst>
           </p:cNvPr>
@@ -9855,10 +9850,10 @@
           <p:cNvPr id="10" name="Rectangle 9">
             <a:extLst>
               <a:ext uri="{FF2B5EF4-FFF2-40B4-BE49-F238E27FC236}">
-                <a16:creationId xmlns:a16="http://schemas.microsoft.com/office/drawing/2014/main" xmlns="" id="{3A4F209C-C20E-4FA7-B241-1EF4F8D193B2}"/>
+                <a16:creationId xmlns="" xmlns:a16="http://schemas.microsoft.com/office/drawing/2014/main" id="{3A4F209C-C20E-4FA7-B241-1EF4F8D193B2}"/>
               </a:ext>
               <a:ext uri="{C183D7F6-B498-43B3-948B-1728B52AA6E4}">
-                <adec:decorative xmlns:adec="http://schemas.microsoft.com/office/drawing/2017/decorative" xmlns="" val="1"/>
+                <adec:decorative xmlns="" xmlns:adec="http://schemas.microsoft.com/office/drawing/2017/decorative" val="1"/>
               </a:ext>
             </a:extLst>
           </p:cNvPr>
@@ -9947,10 +9942,10 @@
           <p:cNvPr id="12" name="Rectangle 11">
             <a:extLst>
               <a:ext uri="{FF2B5EF4-FFF2-40B4-BE49-F238E27FC236}">
-                <a16:creationId xmlns:a16="http://schemas.microsoft.com/office/drawing/2014/main" xmlns="" id="{E4564234-45B0-4ED8-A9E2-199C00173276}"/>
+                <a16:creationId xmlns="" xmlns:a16="http://schemas.microsoft.com/office/drawing/2014/main" id="{E4564234-45B0-4ED8-A9E2-199C00173276}"/>
               </a:ext>
               <a:ext uri="{C183D7F6-B498-43B3-948B-1728B52AA6E4}">
-                <adec:decorative xmlns:adec="http://schemas.microsoft.com/office/drawing/2017/decorative" xmlns="" val="1"/>
+                <adec:decorative xmlns="" xmlns:adec="http://schemas.microsoft.com/office/drawing/2017/decorative" val="1"/>
               </a:ext>
             </a:extLst>
           </p:cNvPr>
@@ -10036,7 +10031,7 @@
           <p:cNvPr id="2" name="Title 1">
             <a:extLst>
               <a:ext uri="{FF2B5EF4-FFF2-40B4-BE49-F238E27FC236}">
-                <a16:creationId xmlns:a16="http://schemas.microsoft.com/office/drawing/2014/main" xmlns="" id="{12AE96A0-ED8F-624C-A189-18C57DFFC328}"/>
+                <a16:creationId xmlns="" xmlns:a16="http://schemas.microsoft.com/office/drawing/2014/main" id="{12AE96A0-ED8F-624C-A189-18C57DFFC328}"/>
               </a:ext>
             </a:extLst>
           </p:cNvPr>
@@ -10078,7 +10073,7 @@
           <p:cNvPr id="5" name="Content Placeholder 4">
             <a:extLst>
               <a:ext uri="{FF2B5EF4-FFF2-40B4-BE49-F238E27FC236}">
-                <a16:creationId xmlns:a16="http://schemas.microsoft.com/office/drawing/2014/main" xmlns="" id="{D709A5CC-AC22-0340-8F44-73A8C271AE35}"/>
+                <a16:creationId xmlns="" xmlns:a16="http://schemas.microsoft.com/office/drawing/2014/main" id="{D709A5CC-AC22-0340-8F44-73A8C271AE35}"/>
               </a:ext>
             </a:extLst>
           </p:cNvPr>
@@ -10771,7 +10766,7 @@
         </p:nvSpPr>
         <p:spPr>
           <a:xfrm>
-            <a:off x="754745" y="0"/>
+            <a:off x="754743" y="0"/>
             <a:ext cx="10682515" cy="6858000"/>
           </a:xfrm>
         </p:spPr>
@@ -10818,7 +10813,23 @@
                 <a:ea typeface="Times New Roman" charset="0"/>
                 <a:cs typeface="Times New Roman" charset="0"/>
               </a:rPr>
-              <a:t>CC BY-NC 4.0. To view a copy of this license, visit </a:t>
+              <a:t>CC </a:t>
+            </a:r>
+            <a:r>
+              <a:rPr lang="en-US" sz="2800" dirty="0">
+                <a:latin typeface="Times New Roman" charset="0"/>
+                <a:ea typeface="Times New Roman" charset="0"/>
+                <a:cs typeface="Times New Roman" charset="0"/>
+              </a:rPr>
+              <a:t>BY-SA </a:t>
+            </a:r>
+            <a:r>
+              <a:rPr lang="en-US" sz="2800" dirty="0">
+                <a:latin typeface="Times New Roman" charset="0"/>
+                <a:ea typeface="Times New Roman" charset="0"/>
+                <a:cs typeface="Times New Roman" charset="0"/>
+              </a:rPr>
+              <a:t>4.0. To view a copy of this license, visit </a:t>
             </a:r>
             <a:r>
               <a:rPr lang="en-US" sz="2800" dirty="0">
@@ -10827,7 +10838,16 @@
                 <a:cs typeface="Times New Roman" charset="0"/>
                 <a:hlinkClick r:id="rId2"/>
               </a:rPr>
-              <a:t>https://creativecommons.org/licenses/by-nc/4.0</a:t>
+              <a:t>https://</a:t>
+            </a:r>
+            <a:r>
+              <a:rPr lang="en-US" sz="2800" dirty="0">
+                <a:latin typeface="Times New Roman" charset="0"/>
+                <a:ea typeface="Times New Roman" charset="0"/>
+                <a:cs typeface="Times New Roman" charset="0"/>
+                <a:hlinkClick r:id="rId2"/>
+              </a:rPr>
+              <a:t>creativecommons.org/licenses/by-sa/4.0</a:t>
             </a:r>
             <a:r>
               <a:rPr lang="en-US" sz="2800" dirty="0">
@@ -10981,20 +11001,13 @@
     </p:spTree>
     <p:extLst>
       <p:ext uri="{BB962C8B-B14F-4D97-AF65-F5344CB8AC3E}">
-        <p14:creationId xmlns:p14="http://schemas.microsoft.com/office/powerpoint/2010/main" val="2133669480"/>
+        <p14:creationId xmlns:p14="http://schemas.microsoft.com/office/powerpoint/2010/main" val="1575167527"/>
       </p:ext>
     </p:extLst>
   </p:cSld>
   <p:clrMapOvr>
     <a:masterClrMapping/>
   </p:clrMapOvr>
-  <p:timing>
-    <p:tnLst>
-      <p:par>
-        <p:cTn id="1" dur="indefinite" restart="never" nodeType="tmRoot"/>
-      </p:par>
-    </p:tnLst>
-  </p:timing>
 </p:sld>
 </file>
 
@@ -11028,7 +11041,7 @@
           <p:cNvPr id="2" name="Title 1">
             <a:extLst>
               <a:ext uri="{FF2B5EF4-FFF2-40B4-BE49-F238E27FC236}">
-                <a16:creationId xmlns:a16="http://schemas.microsoft.com/office/drawing/2014/main" xmlns="" id="{AD203B07-CB94-C543-8FED-3C2B518FCA0D}"/>
+                <a16:creationId xmlns="" xmlns:a16="http://schemas.microsoft.com/office/drawing/2014/main" id="{AD203B07-CB94-C543-8FED-3C2B518FCA0D}"/>
               </a:ext>
             </a:extLst>
           </p:cNvPr>
@@ -11063,7 +11076,7 @@
           <p:cNvPr id="3" name="Content Placeholder 2">
             <a:extLst>
               <a:ext uri="{FF2B5EF4-FFF2-40B4-BE49-F238E27FC236}">
-                <a16:creationId xmlns:a16="http://schemas.microsoft.com/office/drawing/2014/main" xmlns="" id="{4E4B41E3-9411-4142-90D8-7B1BB45F2911}"/>
+                <a16:creationId xmlns="" xmlns:a16="http://schemas.microsoft.com/office/drawing/2014/main" id="{4E4B41E3-9411-4142-90D8-7B1BB45F2911}"/>
               </a:ext>
             </a:extLst>
           </p:cNvPr>
@@ -11130,10 +11143,10 @@
           <p:cNvPr id="29" name="Rectangle 28">
             <a:extLst>
               <a:ext uri="{FF2B5EF4-FFF2-40B4-BE49-F238E27FC236}">
-                <a16:creationId xmlns:a16="http://schemas.microsoft.com/office/drawing/2014/main" xmlns="" id="{293F5FFF-2AE2-424B-BE21-49AFFEF68811}"/>
+                <a16:creationId xmlns="" xmlns:a16="http://schemas.microsoft.com/office/drawing/2014/main" id="{293F5FFF-2AE2-424B-BE21-49AFFEF68811}"/>
               </a:ext>
               <a:ext uri="{C183D7F6-B498-43B3-948B-1728B52AA6E4}">
-                <adec:decorative xmlns:adec="http://schemas.microsoft.com/office/drawing/2017/decorative" xmlns="" val="1"/>
+                <adec:decorative xmlns="" xmlns:adec="http://schemas.microsoft.com/office/drawing/2017/decorative" val="1"/>
               </a:ext>
             </a:extLst>
           </p:cNvPr>
@@ -11222,7 +11235,7 @@
           <p:cNvPr id="7" name="Picture 6" descr="A plot of runtime versus number of processors for the two parallel codes presented and a line representing the runtime of the serial code on BlueWaters.  Note the parallelization of the possition calculations has had almost no effect.">
             <a:extLst>
               <a:ext uri="{FF2B5EF4-FFF2-40B4-BE49-F238E27FC236}">
-                <a16:creationId xmlns:a16="http://schemas.microsoft.com/office/drawing/2014/main" xmlns="" id="{81EEBE09-FE90-E94C-B43E-33F14DA9A920}"/>
+                <a16:creationId xmlns="" xmlns:a16="http://schemas.microsoft.com/office/drawing/2014/main" id="{81EEBE09-FE90-E94C-B43E-33F14DA9A920}"/>
               </a:ext>
             </a:extLst>
           </p:cNvPr>
@@ -11290,7 +11303,7 @@
           <p:cNvPr id="2" name="Title 1">
             <a:extLst>
               <a:ext uri="{FF2B5EF4-FFF2-40B4-BE49-F238E27FC236}">
-                <a16:creationId xmlns:a16="http://schemas.microsoft.com/office/drawing/2014/main" xmlns="" id="{12AE96A0-ED8F-624C-A189-18C57DFFC328}"/>
+                <a16:creationId xmlns="" xmlns:a16="http://schemas.microsoft.com/office/drawing/2014/main" id="{12AE96A0-ED8F-624C-A189-18C57DFFC328}"/>
               </a:ext>
             </a:extLst>
           </p:cNvPr>
@@ -11358,10 +11371,10 @@
           <p:cNvPr id="10" name="Rectangle 9">
             <a:extLst>
               <a:ext uri="{FF2B5EF4-FFF2-40B4-BE49-F238E27FC236}">
-                <a16:creationId xmlns:a16="http://schemas.microsoft.com/office/drawing/2014/main" xmlns="" id="{3A4F209C-C20E-4FA7-B241-1EF4F8D193B2}"/>
+                <a16:creationId xmlns="" xmlns:a16="http://schemas.microsoft.com/office/drawing/2014/main" id="{3A4F209C-C20E-4FA7-B241-1EF4F8D193B2}"/>
               </a:ext>
               <a:ext uri="{C183D7F6-B498-43B3-948B-1728B52AA6E4}">
-                <adec:decorative xmlns:adec="http://schemas.microsoft.com/office/drawing/2017/decorative" xmlns="" val="1"/>
+                <adec:decorative xmlns="" xmlns:adec="http://schemas.microsoft.com/office/drawing/2017/decorative" val="1"/>
               </a:ext>
             </a:extLst>
           </p:cNvPr>
@@ -11450,10 +11463,10 @@
           <p:cNvPr id="12" name="Rectangle 11">
             <a:extLst>
               <a:ext uri="{FF2B5EF4-FFF2-40B4-BE49-F238E27FC236}">
-                <a16:creationId xmlns:a16="http://schemas.microsoft.com/office/drawing/2014/main" xmlns="" id="{E4564234-45B0-4ED8-A9E2-199C00173276}"/>
+                <a16:creationId xmlns="" xmlns:a16="http://schemas.microsoft.com/office/drawing/2014/main" id="{E4564234-45B0-4ED8-A9E2-199C00173276}"/>
               </a:ext>
               <a:ext uri="{C183D7F6-B498-43B3-948B-1728B52AA6E4}">
-                <adec:decorative xmlns:adec="http://schemas.microsoft.com/office/drawing/2017/decorative" xmlns="" val="1"/>
+                <adec:decorative xmlns="" xmlns:adec="http://schemas.microsoft.com/office/drawing/2017/decorative" val="1"/>
               </a:ext>
             </a:extLst>
           </p:cNvPr>
@@ -11539,7 +11552,7 @@
           <p:cNvPr id="2" name="Title 1">
             <a:extLst>
               <a:ext uri="{FF2B5EF4-FFF2-40B4-BE49-F238E27FC236}">
-                <a16:creationId xmlns:a16="http://schemas.microsoft.com/office/drawing/2014/main" xmlns="" id="{12AE96A0-ED8F-624C-A189-18C57DFFC328}"/>
+                <a16:creationId xmlns="" xmlns:a16="http://schemas.microsoft.com/office/drawing/2014/main" id="{12AE96A0-ED8F-624C-A189-18C57DFFC328}"/>
               </a:ext>
             </a:extLst>
           </p:cNvPr>
@@ -11581,7 +11594,7 @@
           <p:cNvPr id="5" name="Content Placeholder 4">
             <a:extLst>
               <a:ext uri="{FF2B5EF4-FFF2-40B4-BE49-F238E27FC236}">
-                <a16:creationId xmlns:a16="http://schemas.microsoft.com/office/drawing/2014/main" xmlns="" id="{D709A5CC-AC22-0340-8F44-73A8C271AE35}"/>
+                <a16:creationId xmlns="" xmlns:a16="http://schemas.microsoft.com/office/drawing/2014/main" id="{D709A5CC-AC22-0340-8F44-73A8C271AE35}"/>
               </a:ext>
             </a:extLst>
           </p:cNvPr>
@@ -12151,7 +12164,7 @@
           <p:cNvPr id="6" name="Content Placeholder 4">
             <a:extLst>
               <a:ext uri="{FF2B5EF4-FFF2-40B4-BE49-F238E27FC236}">
-                <a16:creationId xmlns:a16="http://schemas.microsoft.com/office/drawing/2014/main" xmlns="" id="{6612AD53-CA3F-664B-8316-4A89ABAABCB9}"/>
+                <a16:creationId xmlns="" xmlns:a16="http://schemas.microsoft.com/office/drawing/2014/main" id="{6612AD53-CA3F-664B-8316-4A89ABAABCB9}"/>
               </a:ext>
             </a:extLst>
           </p:cNvPr>
@@ -12416,10 +12429,10 @@
           <p:cNvPr id="10" name="Rectangle 9">
             <a:extLst>
               <a:ext uri="{FF2B5EF4-FFF2-40B4-BE49-F238E27FC236}">
-                <a16:creationId xmlns:a16="http://schemas.microsoft.com/office/drawing/2014/main" xmlns="" id="{3A4F209C-C20E-4FA7-B241-1EF4F8D193B2}"/>
+                <a16:creationId xmlns="" xmlns:a16="http://schemas.microsoft.com/office/drawing/2014/main" id="{3A4F209C-C20E-4FA7-B241-1EF4F8D193B2}"/>
               </a:ext>
               <a:ext uri="{C183D7F6-B498-43B3-948B-1728B52AA6E4}">
-                <adec:decorative xmlns:adec="http://schemas.microsoft.com/office/drawing/2017/decorative" xmlns="" val="1"/>
+                <adec:decorative xmlns="" xmlns:adec="http://schemas.microsoft.com/office/drawing/2017/decorative" val="1"/>
               </a:ext>
             </a:extLst>
           </p:cNvPr>
@@ -12508,10 +12521,10 @@
           <p:cNvPr id="12" name="Rectangle 11">
             <a:extLst>
               <a:ext uri="{FF2B5EF4-FFF2-40B4-BE49-F238E27FC236}">
-                <a16:creationId xmlns:a16="http://schemas.microsoft.com/office/drawing/2014/main" xmlns="" id="{E4564234-45B0-4ED8-A9E2-199C00173276}"/>
+                <a16:creationId xmlns="" xmlns:a16="http://schemas.microsoft.com/office/drawing/2014/main" id="{E4564234-45B0-4ED8-A9E2-199C00173276}"/>
               </a:ext>
               <a:ext uri="{C183D7F6-B498-43B3-948B-1728B52AA6E4}">
-                <adec:decorative xmlns:adec="http://schemas.microsoft.com/office/drawing/2017/decorative" xmlns="" val="1"/>
+                <adec:decorative xmlns="" xmlns:adec="http://schemas.microsoft.com/office/drawing/2017/decorative" val="1"/>
               </a:ext>
             </a:extLst>
           </p:cNvPr>
@@ -12597,7 +12610,7 @@
           <p:cNvPr id="2" name="Title 1">
             <a:extLst>
               <a:ext uri="{FF2B5EF4-FFF2-40B4-BE49-F238E27FC236}">
-                <a16:creationId xmlns:a16="http://schemas.microsoft.com/office/drawing/2014/main" xmlns="" id="{12AE96A0-ED8F-624C-A189-18C57DFFC328}"/>
+                <a16:creationId xmlns="" xmlns:a16="http://schemas.microsoft.com/office/drawing/2014/main" id="{12AE96A0-ED8F-624C-A189-18C57DFFC328}"/>
               </a:ext>
             </a:extLst>
           </p:cNvPr>
@@ -12639,7 +12652,7 @@
           <p:cNvPr id="5" name="Content Placeholder 4">
             <a:extLst>
               <a:ext uri="{FF2B5EF4-FFF2-40B4-BE49-F238E27FC236}">
-                <a16:creationId xmlns:a16="http://schemas.microsoft.com/office/drawing/2014/main" xmlns="" id="{D709A5CC-AC22-0340-8F44-73A8C271AE35}"/>
+                <a16:creationId xmlns="" xmlns:a16="http://schemas.microsoft.com/office/drawing/2014/main" id="{D709A5CC-AC22-0340-8F44-73A8C271AE35}"/>
               </a:ext>
             </a:extLst>
           </p:cNvPr>
@@ -12773,10 +12786,10 @@
           <p:cNvPr id="10" name="Rectangle 9">
             <a:extLst>
               <a:ext uri="{FF2B5EF4-FFF2-40B4-BE49-F238E27FC236}">
-                <a16:creationId xmlns:a16="http://schemas.microsoft.com/office/drawing/2014/main" xmlns="" id="{3A4F209C-C20E-4FA7-B241-1EF4F8D193B2}"/>
+                <a16:creationId xmlns="" xmlns:a16="http://schemas.microsoft.com/office/drawing/2014/main" id="{3A4F209C-C20E-4FA7-B241-1EF4F8D193B2}"/>
               </a:ext>
               <a:ext uri="{C183D7F6-B498-43B3-948B-1728B52AA6E4}">
-                <adec:decorative xmlns:adec="http://schemas.microsoft.com/office/drawing/2017/decorative" xmlns="" val="1"/>
+                <adec:decorative xmlns="" xmlns:adec="http://schemas.microsoft.com/office/drawing/2017/decorative" val="1"/>
               </a:ext>
             </a:extLst>
           </p:cNvPr>
@@ -12865,10 +12878,10 @@
           <p:cNvPr id="12" name="Rectangle 11">
             <a:extLst>
               <a:ext uri="{FF2B5EF4-FFF2-40B4-BE49-F238E27FC236}">
-                <a16:creationId xmlns:a16="http://schemas.microsoft.com/office/drawing/2014/main" xmlns="" id="{E4564234-45B0-4ED8-A9E2-199C00173276}"/>
+                <a16:creationId xmlns="" xmlns:a16="http://schemas.microsoft.com/office/drawing/2014/main" id="{E4564234-45B0-4ED8-A9E2-199C00173276}"/>
               </a:ext>
               <a:ext uri="{C183D7F6-B498-43B3-948B-1728B52AA6E4}">
-                <adec:decorative xmlns:adec="http://schemas.microsoft.com/office/drawing/2017/decorative" xmlns="" val="1"/>
+                <adec:decorative xmlns="" xmlns:adec="http://schemas.microsoft.com/office/drawing/2017/decorative" val="1"/>
               </a:ext>
             </a:extLst>
           </p:cNvPr>
@@ -12954,7 +12967,7 @@
           <p:cNvPr id="2" name="Title 1">
             <a:extLst>
               <a:ext uri="{FF2B5EF4-FFF2-40B4-BE49-F238E27FC236}">
-                <a16:creationId xmlns:a16="http://schemas.microsoft.com/office/drawing/2014/main" xmlns="" id="{12AE96A0-ED8F-624C-A189-18C57DFFC328}"/>
+                <a16:creationId xmlns="" xmlns:a16="http://schemas.microsoft.com/office/drawing/2014/main" id="{12AE96A0-ED8F-624C-A189-18C57DFFC328}"/>
               </a:ext>
             </a:extLst>
           </p:cNvPr>
@@ -12996,7 +13009,7 @@
           <p:cNvPr id="5" name="Content Placeholder 4">
             <a:extLst>
               <a:ext uri="{FF2B5EF4-FFF2-40B4-BE49-F238E27FC236}">
-                <a16:creationId xmlns:a16="http://schemas.microsoft.com/office/drawing/2014/main" xmlns="" id="{D709A5CC-AC22-0340-8F44-73A8C271AE35}"/>
+                <a16:creationId xmlns="" xmlns:a16="http://schemas.microsoft.com/office/drawing/2014/main" id="{D709A5CC-AC22-0340-8F44-73A8C271AE35}"/>
               </a:ext>
             </a:extLst>
           </p:cNvPr>
@@ -13781,7 +13794,7 @@
           <p:cNvPr id="6" name="Content Placeholder 4">
             <a:extLst>
               <a:ext uri="{FF2B5EF4-FFF2-40B4-BE49-F238E27FC236}">
-                <a16:creationId xmlns:a16="http://schemas.microsoft.com/office/drawing/2014/main" xmlns="" id="{AB58C124-9F8C-524D-A8E5-BAB6D33986A9}"/>
+                <a16:creationId xmlns="" xmlns:a16="http://schemas.microsoft.com/office/drawing/2014/main" id="{AB58C124-9F8C-524D-A8E5-BAB6D33986A9}"/>
               </a:ext>
             </a:extLst>
           </p:cNvPr>
@@ -14078,7 +14091,7 @@
           <p:cNvPr id="2" name="Title 1">
             <a:extLst>
               <a:ext uri="{FF2B5EF4-FFF2-40B4-BE49-F238E27FC236}">
-                <a16:creationId xmlns:a16="http://schemas.microsoft.com/office/drawing/2014/main" xmlns="" id="{AD203B07-CB94-C543-8FED-3C2B518FCA0D}"/>
+                <a16:creationId xmlns="" xmlns:a16="http://schemas.microsoft.com/office/drawing/2014/main" id="{AD203B07-CB94-C543-8FED-3C2B518FCA0D}"/>
               </a:ext>
             </a:extLst>
           </p:cNvPr>
@@ -14113,7 +14126,7 @@
           <p:cNvPr id="3" name="Content Placeholder 2">
             <a:extLst>
               <a:ext uri="{FF2B5EF4-FFF2-40B4-BE49-F238E27FC236}">
-                <a16:creationId xmlns:a16="http://schemas.microsoft.com/office/drawing/2014/main" xmlns="" id="{4E4B41E3-9411-4142-90D8-7B1BB45F2911}"/>
+                <a16:creationId xmlns="" xmlns:a16="http://schemas.microsoft.com/office/drawing/2014/main" id="{4E4B41E3-9411-4142-90D8-7B1BB45F2911}"/>
               </a:ext>
             </a:extLst>
           </p:cNvPr>
@@ -14180,10 +14193,10 @@
           <p:cNvPr id="29" name="Rectangle 28">
             <a:extLst>
               <a:ext uri="{FF2B5EF4-FFF2-40B4-BE49-F238E27FC236}">
-                <a16:creationId xmlns:a16="http://schemas.microsoft.com/office/drawing/2014/main" xmlns="" id="{293F5FFF-2AE2-424B-BE21-49AFFEF68811}"/>
+                <a16:creationId xmlns="" xmlns:a16="http://schemas.microsoft.com/office/drawing/2014/main" id="{293F5FFF-2AE2-424B-BE21-49AFFEF68811}"/>
               </a:ext>
               <a:ext uri="{C183D7F6-B498-43B3-948B-1728B52AA6E4}">
-                <adec:decorative xmlns:adec="http://schemas.microsoft.com/office/drawing/2017/decorative" xmlns="" val="1"/>
+                <adec:decorative xmlns="" xmlns:adec="http://schemas.microsoft.com/office/drawing/2017/decorative" val="1"/>
               </a:ext>
             </a:extLst>
           </p:cNvPr>
@@ -14272,7 +14285,7 @@
           <p:cNvPr id="6" name="Picture 5" descr="A plot of runtime versus number of processors for the two parallel codes presented and a line representing the runtime of the serial code on BlueWaters.  Parallelizing the populations of initial conditions has a large effect -- subroutine calls to rand are slow compared to math!">
             <a:extLst>
               <a:ext uri="{FF2B5EF4-FFF2-40B4-BE49-F238E27FC236}">
-                <a16:creationId xmlns:a16="http://schemas.microsoft.com/office/drawing/2014/main" xmlns="" id="{4E105287-FAA9-F04D-8B0A-7CE080078449}"/>
+                <a16:creationId xmlns="" xmlns:a16="http://schemas.microsoft.com/office/drawing/2014/main" id="{4E105287-FAA9-F04D-8B0A-7CE080078449}"/>
               </a:ext>
             </a:extLst>
           </p:cNvPr>
@@ -14340,10 +14353,10 @@
           <p:cNvPr id="10" name="Rectangle 9">
             <a:extLst>
               <a:ext uri="{FF2B5EF4-FFF2-40B4-BE49-F238E27FC236}">
-                <a16:creationId xmlns:a16="http://schemas.microsoft.com/office/drawing/2014/main" xmlns="" id="{3A4F209C-C20E-4FA7-B241-1EF4F8D193B2}"/>
+                <a16:creationId xmlns="" xmlns:a16="http://schemas.microsoft.com/office/drawing/2014/main" id="{3A4F209C-C20E-4FA7-B241-1EF4F8D193B2}"/>
               </a:ext>
               <a:ext uri="{C183D7F6-B498-43B3-948B-1728B52AA6E4}">
-                <adec:decorative xmlns:adec="http://schemas.microsoft.com/office/drawing/2017/decorative" xmlns="" val="1"/>
+                <adec:decorative xmlns="" xmlns:adec="http://schemas.microsoft.com/office/drawing/2017/decorative" val="1"/>
               </a:ext>
             </a:extLst>
           </p:cNvPr>
@@ -14432,10 +14445,10 @@
           <p:cNvPr id="12" name="Rectangle 11">
             <a:extLst>
               <a:ext uri="{FF2B5EF4-FFF2-40B4-BE49-F238E27FC236}">
-                <a16:creationId xmlns:a16="http://schemas.microsoft.com/office/drawing/2014/main" xmlns="" id="{E4564234-45B0-4ED8-A9E2-199C00173276}"/>
+                <a16:creationId xmlns="" xmlns:a16="http://schemas.microsoft.com/office/drawing/2014/main" id="{E4564234-45B0-4ED8-A9E2-199C00173276}"/>
               </a:ext>
               <a:ext uri="{C183D7F6-B498-43B3-948B-1728B52AA6E4}">
-                <adec:decorative xmlns:adec="http://schemas.microsoft.com/office/drawing/2017/decorative" xmlns="" val="1"/>
+                <adec:decorative xmlns="" xmlns:adec="http://schemas.microsoft.com/office/drawing/2017/decorative" val="1"/>
               </a:ext>
             </a:extLst>
           </p:cNvPr>
@@ -14521,7 +14534,7 @@
           <p:cNvPr id="2" name="Title 1">
             <a:extLst>
               <a:ext uri="{FF2B5EF4-FFF2-40B4-BE49-F238E27FC236}">
-                <a16:creationId xmlns:a16="http://schemas.microsoft.com/office/drawing/2014/main" xmlns="" id="{12AE96A0-ED8F-624C-A189-18C57DFFC328}"/>
+                <a16:creationId xmlns="" xmlns:a16="http://schemas.microsoft.com/office/drawing/2014/main" id="{12AE96A0-ED8F-624C-A189-18C57DFFC328}"/>
               </a:ext>
             </a:extLst>
           </p:cNvPr>
@@ -14563,7 +14576,7 @@
           <p:cNvPr id="5" name="Content Placeholder 4">
             <a:extLst>
               <a:ext uri="{FF2B5EF4-FFF2-40B4-BE49-F238E27FC236}">
-                <a16:creationId xmlns:a16="http://schemas.microsoft.com/office/drawing/2014/main" xmlns="" id="{D709A5CC-AC22-0340-8F44-73A8C271AE35}"/>
+                <a16:creationId xmlns="" xmlns:a16="http://schemas.microsoft.com/office/drawing/2014/main" id="{D709A5CC-AC22-0340-8F44-73A8C271AE35}"/>
               </a:ext>
             </a:extLst>
           </p:cNvPr>
@@ -14697,10 +14710,10 @@
           <p:cNvPr id="10" name="Rectangle 9">
             <a:extLst>
               <a:ext uri="{FF2B5EF4-FFF2-40B4-BE49-F238E27FC236}">
-                <a16:creationId xmlns:a16="http://schemas.microsoft.com/office/drawing/2014/main" xmlns="" id="{3A4F209C-C20E-4FA7-B241-1EF4F8D193B2}"/>
+                <a16:creationId xmlns="" xmlns:a16="http://schemas.microsoft.com/office/drawing/2014/main" id="{3A4F209C-C20E-4FA7-B241-1EF4F8D193B2}"/>
               </a:ext>
               <a:ext uri="{C183D7F6-B498-43B3-948B-1728B52AA6E4}">
-                <adec:decorative xmlns:adec="http://schemas.microsoft.com/office/drawing/2017/decorative" xmlns="" val="1"/>
+                <adec:decorative xmlns="" xmlns:adec="http://schemas.microsoft.com/office/drawing/2017/decorative" val="1"/>
               </a:ext>
             </a:extLst>
           </p:cNvPr>
@@ -14789,10 +14802,10 @@
           <p:cNvPr id="12" name="Rectangle 11">
             <a:extLst>
               <a:ext uri="{FF2B5EF4-FFF2-40B4-BE49-F238E27FC236}">
-                <a16:creationId xmlns:a16="http://schemas.microsoft.com/office/drawing/2014/main" xmlns="" id="{E4564234-45B0-4ED8-A9E2-199C00173276}"/>
+                <a16:creationId xmlns="" xmlns:a16="http://schemas.microsoft.com/office/drawing/2014/main" id="{E4564234-45B0-4ED8-A9E2-199C00173276}"/>
               </a:ext>
               <a:ext uri="{C183D7F6-B498-43B3-948B-1728B52AA6E4}">
-                <adec:decorative xmlns:adec="http://schemas.microsoft.com/office/drawing/2017/decorative" xmlns="" val="1"/>
+                <adec:decorative xmlns="" xmlns:adec="http://schemas.microsoft.com/office/drawing/2017/decorative" val="1"/>
               </a:ext>
             </a:extLst>
           </p:cNvPr>
@@ -14878,7 +14891,7 @@
           <p:cNvPr id="2" name="Title 1">
             <a:extLst>
               <a:ext uri="{FF2B5EF4-FFF2-40B4-BE49-F238E27FC236}">
-                <a16:creationId xmlns:a16="http://schemas.microsoft.com/office/drawing/2014/main" xmlns="" id="{12AE96A0-ED8F-624C-A189-18C57DFFC328}"/>
+                <a16:creationId xmlns="" xmlns:a16="http://schemas.microsoft.com/office/drawing/2014/main" id="{12AE96A0-ED8F-624C-A189-18C57DFFC328}"/>
               </a:ext>
             </a:extLst>
           </p:cNvPr>
@@ -14920,7 +14933,7 @@
           <p:cNvPr id="5" name="Content Placeholder 4">
             <a:extLst>
               <a:ext uri="{FF2B5EF4-FFF2-40B4-BE49-F238E27FC236}">
-                <a16:creationId xmlns:a16="http://schemas.microsoft.com/office/drawing/2014/main" xmlns="" id="{D709A5CC-AC22-0340-8F44-73A8C271AE35}"/>
+                <a16:creationId xmlns="" xmlns:a16="http://schemas.microsoft.com/office/drawing/2014/main" id="{D709A5CC-AC22-0340-8F44-73A8C271AE35}"/>
               </a:ext>
             </a:extLst>
           </p:cNvPr>
@@ -15008,7 +15021,7 @@
           <p:cNvPr id="2" name="Title 1">
             <a:extLst>
               <a:ext uri="{FF2B5EF4-FFF2-40B4-BE49-F238E27FC236}">
-                <a16:creationId xmlns:a16="http://schemas.microsoft.com/office/drawing/2014/main" xmlns="" id="{F7E79348-028E-EB42-9B8D-348A5CE5A3CF}"/>
+                <a16:creationId xmlns="" xmlns:a16="http://schemas.microsoft.com/office/drawing/2014/main" id="{F7E79348-028E-EB42-9B8D-348A5CE5A3CF}"/>
               </a:ext>
             </a:extLst>
           </p:cNvPr>
@@ -15081,7 +15094,7 @@
           <p:cNvPr id="2" name="Title 1">
             <a:extLst>
               <a:ext uri="{FF2B5EF4-FFF2-40B4-BE49-F238E27FC236}">
-                <a16:creationId xmlns:a16="http://schemas.microsoft.com/office/drawing/2014/main" xmlns="" id="{AD203B07-CB94-C543-8FED-3C2B518FCA0D}"/>
+                <a16:creationId xmlns="" xmlns:a16="http://schemas.microsoft.com/office/drawing/2014/main" id="{AD203B07-CB94-C543-8FED-3C2B518FCA0D}"/>
               </a:ext>
             </a:extLst>
           </p:cNvPr>
@@ -15118,7 +15131,7 @@
               <p:cNvPr id="3" name="Content Placeholder 2">
                 <a:extLst>
                   <a:ext uri="{FF2B5EF4-FFF2-40B4-BE49-F238E27FC236}">
-                    <a16:creationId xmlns:a16="http://schemas.microsoft.com/office/drawing/2014/main" xmlns="" id="{4E4B41E3-9411-4142-90D8-7B1BB45F2911}"/>
+                    <a16:creationId xmlns="" xmlns:a16="http://schemas.microsoft.com/office/drawing/2014/main" id="{4E4B41E3-9411-4142-90D8-7B1BB45F2911}"/>
                   </a:ext>
                 </a:extLst>
               </p:cNvPr>
@@ -15339,10 +15352,10 @@
           <p:cNvPr id="29" name="Rectangle 28">
             <a:extLst>
               <a:ext uri="{FF2B5EF4-FFF2-40B4-BE49-F238E27FC236}">
-                <a16:creationId xmlns:a16="http://schemas.microsoft.com/office/drawing/2014/main" xmlns="" id="{293F5FFF-2AE2-424B-BE21-49AFFEF68811}"/>
+                <a16:creationId xmlns="" xmlns:a16="http://schemas.microsoft.com/office/drawing/2014/main" id="{293F5FFF-2AE2-424B-BE21-49AFFEF68811}"/>
               </a:ext>
               <a:ext uri="{C183D7F6-B498-43B3-948B-1728B52AA6E4}">
-                <adec:decorative xmlns:adec="http://schemas.microsoft.com/office/drawing/2017/decorative" xmlns="" val="1"/>
+                <adec:decorative xmlns="" xmlns:adec="http://schemas.microsoft.com/office/drawing/2017/decorative" val="1"/>
               </a:ext>
             </a:extLst>
           </p:cNvPr>
@@ -15402,7 +15415,7 @@
           <p:cNvPr id="6" name="Content Placeholder 5" descr="A close up of a map&#10;&#10;Description automatically generated">
             <a:extLst>
               <a:ext uri="{FF2B5EF4-FFF2-40B4-BE49-F238E27FC236}">
-                <a16:creationId xmlns:a16="http://schemas.microsoft.com/office/drawing/2014/main" xmlns="" id="{F988D4DE-8922-3344-8AA2-9EAF5973CF0C}"/>
+                <a16:creationId xmlns="" xmlns:a16="http://schemas.microsoft.com/office/drawing/2014/main" id="{F988D4DE-8922-3344-8AA2-9EAF5973CF0C}"/>
               </a:ext>
             </a:extLst>
           </p:cNvPr>
@@ -15472,10 +15485,10 @@
           <p:cNvPr id="10" name="Rectangle 9">
             <a:extLst>
               <a:ext uri="{FF2B5EF4-FFF2-40B4-BE49-F238E27FC236}">
-                <a16:creationId xmlns:a16="http://schemas.microsoft.com/office/drawing/2014/main" xmlns="" id="{3A4F209C-C20E-4FA7-B241-1EF4F8D193B2}"/>
+                <a16:creationId xmlns="" xmlns:a16="http://schemas.microsoft.com/office/drawing/2014/main" id="{3A4F209C-C20E-4FA7-B241-1EF4F8D193B2}"/>
               </a:ext>
               <a:ext uri="{C183D7F6-B498-43B3-948B-1728B52AA6E4}">
-                <adec:decorative xmlns:adec="http://schemas.microsoft.com/office/drawing/2017/decorative" xmlns="" val="1"/>
+                <adec:decorative xmlns="" xmlns:adec="http://schemas.microsoft.com/office/drawing/2017/decorative" val="1"/>
               </a:ext>
             </a:extLst>
           </p:cNvPr>
@@ -15564,10 +15577,10 @@
           <p:cNvPr id="12" name="Rectangle 11">
             <a:extLst>
               <a:ext uri="{FF2B5EF4-FFF2-40B4-BE49-F238E27FC236}">
-                <a16:creationId xmlns:a16="http://schemas.microsoft.com/office/drawing/2014/main" xmlns="" id="{E4564234-45B0-4ED8-A9E2-199C00173276}"/>
+                <a16:creationId xmlns="" xmlns:a16="http://schemas.microsoft.com/office/drawing/2014/main" id="{E4564234-45B0-4ED8-A9E2-199C00173276}"/>
               </a:ext>
               <a:ext uri="{C183D7F6-B498-43B3-948B-1728B52AA6E4}">
-                <adec:decorative xmlns:adec="http://schemas.microsoft.com/office/drawing/2017/decorative" xmlns="" val="1"/>
+                <adec:decorative xmlns="" xmlns:adec="http://schemas.microsoft.com/office/drawing/2017/decorative" val="1"/>
               </a:ext>
             </a:extLst>
           </p:cNvPr>
@@ -15653,7 +15666,7 @@
           <p:cNvPr id="2" name="Title 1">
             <a:extLst>
               <a:ext uri="{FF2B5EF4-FFF2-40B4-BE49-F238E27FC236}">
-                <a16:creationId xmlns:a16="http://schemas.microsoft.com/office/drawing/2014/main" xmlns="" id="{12AE96A0-ED8F-624C-A189-18C57DFFC328}"/>
+                <a16:creationId xmlns="" xmlns:a16="http://schemas.microsoft.com/office/drawing/2014/main" id="{12AE96A0-ED8F-624C-A189-18C57DFFC328}"/>
               </a:ext>
             </a:extLst>
           </p:cNvPr>
@@ -15697,7 +15710,7 @@
               <p:cNvPr id="5" name="Content Placeholder 4">
                 <a:extLst>
                   <a:ext uri="{FF2B5EF4-FFF2-40B4-BE49-F238E27FC236}">
-                    <a16:creationId xmlns:a16="http://schemas.microsoft.com/office/drawing/2014/main" xmlns="" id="{D709A5CC-AC22-0340-8F44-73A8C271AE35}"/>
+                    <a16:creationId xmlns="" xmlns:a16="http://schemas.microsoft.com/office/drawing/2014/main" id="{D709A5CC-AC22-0340-8F44-73A8C271AE35}"/>
                   </a:ext>
                 </a:extLst>
               </p:cNvPr>
@@ -16068,10 +16081,10 @@
           <p:cNvPr id="10" name="Rectangle 9">
             <a:extLst>
               <a:ext uri="{FF2B5EF4-FFF2-40B4-BE49-F238E27FC236}">
-                <a16:creationId xmlns:a16="http://schemas.microsoft.com/office/drawing/2014/main" xmlns="" id="{3A4F209C-C20E-4FA7-B241-1EF4F8D193B2}"/>
+                <a16:creationId xmlns="" xmlns:a16="http://schemas.microsoft.com/office/drawing/2014/main" id="{3A4F209C-C20E-4FA7-B241-1EF4F8D193B2}"/>
               </a:ext>
               <a:ext uri="{C183D7F6-B498-43B3-948B-1728B52AA6E4}">
-                <adec:decorative xmlns:adec="http://schemas.microsoft.com/office/drawing/2017/decorative" xmlns="" val="1"/>
+                <adec:decorative xmlns="" xmlns:adec="http://schemas.microsoft.com/office/drawing/2017/decorative" val="1"/>
               </a:ext>
             </a:extLst>
           </p:cNvPr>
@@ -16131,10 +16144,10 @@
           <p:cNvPr id="12" name="Rectangle 11">
             <a:extLst>
               <a:ext uri="{FF2B5EF4-FFF2-40B4-BE49-F238E27FC236}">
-                <a16:creationId xmlns:a16="http://schemas.microsoft.com/office/drawing/2014/main" xmlns="" id="{E4564234-45B0-4ED8-A9E2-199C00173276}"/>
+                <a16:creationId xmlns="" xmlns:a16="http://schemas.microsoft.com/office/drawing/2014/main" id="{E4564234-45B0-4ED8-A9E2-199C00173276}"/>
               </a:ext>
               <a:ext uri="{C183D7F6-B498-43B3-948B-1728B52AA6E4}">
-                <adec:decorative xmlns:adec="http://schemas.microsoft.com/office/drawing/2017/decorative" xmlns="" val="1"/>
+                <adec:decorative xmlns="" xmlns:adec="http://schemas.microsoft.com/office/drawing/2017/decorative" val="1"/>
               </a:ext>
             </a:extLst>
           </p:cNvPr>
@@ -16191,7 +16204,7 @@
           <p:cNvPr id="2" name="Title 1">
             <a:extLst>
               <a:ext uri="{FF2B5EF4-FFF2-40B4-BE49-F238E27FC236}">
-                <a16:creationId xmlns:a16="http://schemas.microsoft.com/office/drawing/2014/main" xmlns="" id="{12AE96A0-ED8F-624C-A189-18C57DFFC328}"/>
+                <a16:creationId xmlns="" xmlns:a16="http://schemas.microsoft.com/office/drawing/2014/main" id="{12AE96A0-ED8F-624C-A189-18C57DFFC328}"/>
               </a:ext>
             </a:extLst>
           </p:cNvPr>
@@ -16235,7 +16248,7 @@
               <p:cNvPr id="5" name="Content Placeholder 4">
                 <a:extLst>
                   <a:ext uri="{FF2B5EF4-FFF2-40B4-BE49-F238E27FC236}">
-                    <a16:creationId xmlns:a16="http://schemas.microsoft.com/office/drawing/2014/main" xmlns="" id="{D709A5CC-AC22-0340-8F44-73A8C271AE35}"/>
+                    <a16:creationId xmlns="" xmlns:a16="http://schemas.microsoft.com/office/drawing/2014/main" id="{D709A5CC-AC22-0340-8F44-73A8C271AE35}"/>
                   </a:ext>
                 </a:extLst>
               </p:cNvPr>
@@ -17308,10 +17321,10 @@
           <p:cNvPr id="10" name="Rectangle 9">
             <a:extLst>
               <a:ext uri="{FF2B5EF4-FFF2-40B4-BE49-F238E27FC236}">
-                <a16:creationId xmlns:a16="http://schemas.microsoft.com/office/drawing/2014/main" xmlns="" id="{3A4F209C-C20E-4FA7-B241-1EF4F8D193B2}"/>
+                <a16:creationId xmlns="" xmlns:a16="http://schemas.microsoft.com/office/drawing/2014/main" id="{3A4F209C-C20E-4FA7-B241-1EF4F8D193B2}"/>
               </a:ext>
               <a:ext uri="{C183D7F6-B498-43B3-948B-1728B52AA6E4}">
-                <adec:decorative xmlns:adec="http://schemas.microsoft.com/office/drawing/2017/decorative" xmlns="" val="1"/>
+                <adec:decorative xmlns="" xmlns:adec="http://schemas.microsoft.com/office/drawing/2017/decorative" val="1"/>
               </a:ext>
             </a:extLst>
           </p:cNvPr>
@@ -17371,10 +17384,10 @@
           <p:cNvPr id="12" name="Rectangle 11">
             <a:extLst>
               <a:ext uri="{FF2B5EF4-FFF2-40B4-BE49-F238E27FC236}">
-                <a16:creationId xmlns:a16="http://schemas.microsoft.com/office/drawing/2014/main" xmlns="" id="{E4564234-45B0-4ED8-A9E2-199C00173276}"/>
+                <a16:creationId xmlns="" xmlns:a16="http://schemas.microsoft.com/office/drawing/2014/main" id="{E4564234-45B0-4ED8-A9E2-199C00173276}"/>
               </a:ext>
               <a:ext uri="{C183D7F6-B498-43B3-948B-1728B52AA6E4}">
-                <adec:decorative xmlns:adec="http://schemas.microsoft.com/office/drawing/2017/decorative" xmlns="" val="1"/>
+                <adec:decorative xmlns="" xmlns:adec="http://schemas.microsoft.com/office/drawing/2017/decorative" val="1"/>
               </a:ext>
             </a:extLst>
           </p:cNvPr>
@@ -17431,7 +17444,7 @@
           <p:cNvPr id="2" name="Title 1">
             <a:extLst>
               <a:ext uri="{FF2B5EF4-FFF2-40B4-BE49-F238E27FC236}">
-                <a16:creationId xmlns:a16="http://schemas.microsoft.com/office/drawing/2014/main" xmlns="" id="{12AE96A0-ED8F-624C-A189-18C57DFFC328}"/>
+                <a16:creationId xmlns="" xmlns:a16="http://schemas.microsoft.com/office/drawing/2014/main" id="{12AE96A0-ED8F-624C-A189-18C57DFFC328}"/>
               </a:ext>
             </a:extLst>
           </p:cNvPr>
@@ -17497,7 +17510,7 @@
               <p:cNvPr id="5" name="Content Placeholder 4">
                 <a:extLst>
                   <a:ext uri="{FF2B5EF4-FFF2-40B4-BE49-F238E27FC236}">
-                    <a16:creationId xmlns:a16="http://schemas.microsoft.com/office/drawing/2014/main" xmlns="" id="{D709A5CC-AC22-0340-8F44-73A8C271AE35}"/>
+                    <a16:creationId xmlns="" xmlns:a16="http://schemas.microsoft.com/office/drawing/2014/main" id="{D709A5CC-AC22-0340-8F44-73A8C271AE35}"/>
                   </a:ext>
                 </a:extLst>
               </p:cNvPr>
@@ -19422,10 +19435,10 @@
           <p:cNvPr id="10" name="Rectangle 9">
             <a:extLst>
               <a:ext uri="{FF2B5EF4-FFF2-40B4-BE49-F238E27FC236}">
-                <a16:creationId xmlns:a16="http://schemas.microsoft.com/office/drawing/2014/main" xmlns="" id="{3A4F209C-C20E-4FA7-B241-1EF4F8D193B2}"/>
+                <a16:creationId xmlns="" xmlns:a16="http://schemas.microsoft.com/office/drawing/2014/main" id="{3A4F209C-C20E-4FA7-B241-1EF4F8D193B2}"/>
               </a:ext>
               <a:ext uri="{C183D7F6-B498-43B3-948B-1728B52AA6E4}">
-                <adec:decorative xmlns:adec="http://schemas.microsoft.com/office/drawing/2017/decorative" xmlns="" val="1"/>
+                <adec:decorative xmlns="" xmlns:adec="http://schemas.microsoft.com/office/drawing/2017/decorative" val="1"/>
               </a:ext>
             </a:extLst>
           </p:cNvPr>
@@ -19514,10 +19527,10 @@
           <p:cNvPr id="12" name="Rectangle 11">
             <a:extLst>
               <a:ext uri="{FF2B5EF4-FFF2-40B4-BE49-F238E27FC236}">
-                <a16:creationId xmlns:a16="http://schemas.microsoft.com/office/drawing/2014/main" xmlns="" id="{E4564234-45B0-4ED8-A9E2-199C00173276}"/>
+                <a16:creationId xmlns="" xmlns:a16="http://schemas.microsoft.com/office/drawing/2014/main" id="{E4564234-45B0-4ED8-A9E2-199C00173276}"/>
               </a:ext>
               <a:ext uri="{C183D7F6-B498-43B3-948B-1728B52AA6E4}">
-                <adec:decorative xmlns:adec="http://schemas.microsoft.com/office/drawing/2017/decorative" xmlns="" val="1"/>
+                <adec:decorative xmlns="" xmlns:adec="http://schemas.microsoft.com/office/drawing/2017/decorative" val="1"/>
               </a:ext>
             </a:extLst>
           </p:cNvPr>
@@ -19603,7 +19616,7 @@
           <p:cNvPr id="2" name="Title 1">
             <a:extLst>
               <a:ext uri="{FF2B5EF4-FFF2-40B4-BE49-F238E27FC236}">
-                <a16:creationId xmlns:a16="http://schemas.microsoft.com/office/drawing/2014/main" xmlns="" id="{12AE96A0-ED8F-624C-A189-18C57DFFC328}"/>
+                <a16:creationId xmlns="" xmlns:a16="http://schemas.microsoft.com/office/drawing/2014/main" id="{12AE96A0-ED8F-624C-A189-18C57DFFC328}"/>
               </a:ext>
             </a:extLst>
           </p:cNvPr>
@@ -19669,7 +19682,7 @@
               <p:cNvPr id="5" name="Content Placeholder 4">
                 <a:extLst>
                   <a:ext uri="{FF2B5EF4-FFF2-40B4-BE49-F238E27FC236}">
-                    <a16:creationId xmlns:a16="http://schemas.microsoft.com/office/drawing/2014/main" xmlns="" id="{D709A5CC-AC22-0340-8F44-73A8C271AE35}"/>
+                    <a16:creationId xmlns="" xmlns:a16="http://schemas.microsoft.com/office/drawing/2014/main" id="{D709A5CC-AC22-0340-8F44-73A8C271AE35}"/>
                   </a:ext>
                 </a:extLst>
               </p:cNvPr>
@@ -20983,10 +20996,10 @@
           <p:cNvPr id="10" name="Rectangle 9">
             <a:extLst>
               <a:ext uri="{FF2B5EF4-FFF2-40B4-BE49-F238E27FC236}">
-                <a16:creationId xmlns:a16="http://schemas.microsoft.com/office/drawing/2014/main" xmlns="" id="{3A4F209C-C20E-4FA7-B241-1EF4F8D193B2}"/>
+                <a16:creationId xmlns="" xmlns:a16="http://schemas.microsoft.com/office/drawing/2014/main" id="{3A4F209C-C20E-4FA7-B241-1EF4F8D193B2}"/>
               </a:ext>
               <a:ext uri="{C183D7F6-B498-43B3-948B-1728B52AA6E4}">
-                <adec:decorative xmlns:adec="http://schemas.microsoft.com/office/drawing/2017/decorative" xmlns="" val="1"/>
+                <adec:decorative xmlns="" xmlns:adec="http://schemas.microsoft.com/office/drawing/2017/decorative" val="1"/>
               </a:ext>
             </a:extLst>
           </p:cNvPr>
@@ -21075,10 +21088,10 @@
           <p:cNvPr id="12" name="Rectangle 11">
             <a:extLst>
               <a:ext uri="{FF2B5EF4-FFF2-40B4-BE49-F238E27FC236}">
-                <a16:creationId xmlns:a16="http://schemas.microsoft.com/office/drawing/2014/main" xmlns="" id="{E4564234-45B0-4ED8-A9E2-199C00173276}"/>
+                <a16:creationId xmlns="" xmlns:a16="http://schemas.microsoft.com/office/drawing/2014/main" id="{E4564234-45B0-4ED8-A9E2-199C00173276}"/>
               </a:ext>
               <a:ext uri="{C183D7F6-B498-43B3-948B-1728B52AA6E4}">
-                <adec:decorative xmlns:adec="http://schemas.microsoft.com/office/drawing/2017/decorative" xmlns="" val="1"/>
+                <adec:decorative xmlns="" xmlns:adec="http://schemas.microsoft.com/office/drawing/2017/decorative" val="1"/>
               </a:ext>
             </a:extLst>
           </p:cNvPr>
@@ -21164,7 +21177,7 @@
           <p:cNvPr id="2" name="Title 1">
             <a:extLst>
               <a:ext uri="{FF2B5EF4-FFF2-40B4-BE49-F238E27FC236}">
-                <a16:creationId xmlns:a16="http://schemas.microsoft.com/office/drawing/2014/main" xmlns="" id="{12AE96A0-ED8F-624C-A189-18C57DFFC328}"/>
+                <a16:creationId xmlns="" xmlns:a16="http://schemas.microsoft.com/office/drawing/2014/main" id="{12AE96A0-ED8F-624C-A189-18C57DFFC328}"/>
               </a:ext>
             </a:extLst>
           </p:cNvPr>
@@ -21208,7 +21221,7 @@
               <p:cNvPr id="5" name="Content Placeholder 4">
                 <a:extLst>
                   <a:ext uri="{FF2B5EF4-FFF2-40B4-BE49-F238E27FC236}">
-                    <a16:creationId xmlns:a16="http://schemas.microsoft.com/office/drawing/2014/main" xmlns="" id="{D709A5CC-AC22-0340-8F44-73A8C271AE35}"/>
+                    <a16:creationId xmlns="" xmlns:a16="http://schemas.microsoft.com/office/drawing/2014/main" id="{D709A5CC-AC22-0340-8F44-73A8C271AE35}"/>
                   </a:ext>
                 </a:extLst>
               </p:cNvPr>
